--- a/hw01.pptx
+++ b/hw01.pptx
@@ -6,6 +6,13 @@
   </p:sldMasterIdLst>
   <p:sldIdLst>
     <p:sldId id="256" r:id="rId2"/>
+    <p:sldId id="257" r:id="rId3"/>
+    <p:sldId id="258" r:id="rId4"/>
+    <p:sldId id="259" r:id="rId5"/>
+    <p:sldId id="260" r:id="rId6"/>
+    <p:sldId id="261" r:id="rId7"/>
+    <p:sldId id="262" r:id="rId8"/>
+    <p:sldId id="263" r:id="rId9"/>
   </p:sldIdLst>
   <p:sldSz cx="12192000" cy="6858000"/>
   <p:notesSz cx="6858000" cy="9144000"/>
@@ -104,7 +111,122 @@
       </a:defRPr>
     </a:lvl9pPr>
   </p:defaultTextStyle>
+  <p:extLst>
+    <p:ext uri="{EFAFB233-063F-42B5-8137-9DF3F51BA10A}">
+      <p15:sldGuideLst xmlns:p15="http://schemas.microsoft.com/office/powerpoint/2012/main"/>
+    </p:ext>
+  </p:extLst>
 </p:presentation>
+</file>
+
+<file path=ppt/commentAuthors.xml><?xml version="1.0" encoding="utf-8"?>
+<p:cmAuthorLst xmlns:a="http://schemas.openxmlformats.org/drawingml/2006/main" xmlns:r="http://schemas.openxmlformats.org/officeDocument/2006/relationships" xmlns:p="http://schemas.openxmlformats.org/presentationml/2006/main">
+  <p:cmAuthor id="1" name="C O" initials="CO" lastIdx="7" clrIdx="0">
+    <p:extLst>
+      <p:ext uri="{19B8F6BF-5375-455C-9EA6-DF929625EA0E}">
+        <p15:presenceInfo xmlns:p15="http://schemas.microsoft.com/office/powerpoint/2012/main" userId="a22a10cdab3908c3" providerId="Windows Live"/>
+      </p:ext>
+    </p:extLst>
+  </p:cmAuthor>
+</p:cmAuthorLst>
+</file>
+
+<file path=ppt/comments/comment1.xml><?xml version="1.0" encoding="utf-8"?>
+<p:cmLst xmlns:a="http://schemas.openxmlformats.org/drawingml/2006/main" xmlns:r="http://schemas.openxmlformats.org/officeDocument/2006/relationships" xmlns:p="http://schemas.openxmlformats.org/presentationml/2006/main">
+  <p:cm authorId="1" dt="2024-10-21T21:17:49.140" idx="1">
+    <p:pos x="10" y="10"/>
+    <p:text>日本動漫風格的高中生男學生，藍黑色M字瀏海，紅眼睛，穿著白色襯衫，給人狡猾的感覺，背景為學校教室，正臉。</p:text>
+    <p:extLst>
+      <p:ext uri="{C676402C-5697-4E1C-873F-D02D1690AC5C}">
+        <p15:threadingInfo xmlns:p15="http://schemas.microsoft.com/office/powerpoint/2012/main" timeZoneBias="-480"/>
+      </p:ext>
+    </p:extLst>
+  </p:cm>
+</p:cmLst>
+</file>
+
+<file path=ppt/comments/comment2.xml><?xml version="1.0" encoding="utf-8"?>
+<p:cmLst xmlns:a="http://schemas.openxmlformats.org/drawingml/2006/main" xmlns:r="http://schemas.openxmlformats.org/officeDocument/2006/relationships" xmlns:p="http://schemas.openxmlformats.org/presentationml/2006/main">
+  <p:cm authorId="1" dt="2024-10-21T21:17:49.140" idx="2">
+    <p:pos x="10" y="10"/>
+    <p:text>日本動漫風格的高中生男學生，藍黑色M字瀏海，紅眼睛，穿著白色襯衫，給人狡猾的感覺，在籃球場上， 正臉，流汗，很失望的感覺</p:text>
+    <p:extLst>
+      <p:ext uri="{C676402C-5697-4E1C-873F-D02D1690AC5C}">
+        <p15:threadingInfo xmlns:p15="http://schemas.microsoft.com/office/powerpoint/2012/main" timeZoneBias="-480"/>
+      </p:ext>
+    </p:extLst>
+  </p:cm>
+</p:cmLst>
+</file>
+
+<file path=ppt/comments/comment3.xml><?xml version="1.0" encoding="utf-8"?>
+<p:cmLst xmlns:a="http://schemas.openxmlformats.org/drawingml/2006/main" xmlns:r="http://schemas.openxmlformats.org/officeDocument/2006/relationships" xmlns:p="http://schemas.openxmlformats.org/presentationml/2006/main">
+  <p:cm authorId="1" dt="2024-10-21T21:17:49.140" idx="3">
+    <p:pos x="10" y="10"/>
+    <p:text>日本動漫風格的高中生男學生，紅色眼睛，藍黑色M字瀏海，穿著白色襯衫，給人狡猾的感覺，在籃球場上，正臉，流汗，投籃，一個人</p:text>
+    <p:extLst>
+      <p:ext uri="{C676402C-5697-4E1C-873F-D02D1690AC5C}">
+        <p15:threadingInfo xmlns:p15="http://schemas.microsoft.com/office/powerpoint/2012/main" timeZoneBias="-480"/>
+      </p:ext>
+    </p:extLst>
+  </p:cm>
+</p:cmLst>
+</file>
+
+<file path=ppt/comments/comment4.xml><?xml version="1.0" encoding="utf-8"?>
+<p:cmLst xmlns:a="http://schemas.openxmlformats.org/drawingml/2006/main" xmlns:r="http://schemas.openxmlformats.org/officeDocument/2006/relationships" xmlns:p="http://schemas.openxmlformats.org/presentationml/2006/main">
+  <p:cm authorId="1" dt="2024-10-21T21:17:49.140" idx="4">
+    <p:pos x="10" y="10"/>
+    <p:text>日本動漫風格的高中生男學生，藍黑色M字瀏海，紅眼睛，穿著白色襯衫，給人狡猾的感覺，在籃球場上， 正臉，流汗，由於很累所以撐著膝蓋，失望的神情</p:text>
+    <p:extLst>
+      <p:ext uri="{C676402C-5697-4E1C-873F-D02D1690AC5C}">
+        <p15:threadingInfo xmlns:p15="http://schemas.microsoft.com/office/powerpoint/2012/main" timeZoneBias="-480"/>
+      </p:ext>
+    </p:extLst>
+  </p:cm>
+</p:cmLst>
+</file>
+
+<file path=ppt/comments/comment5.xml><?xml version="1.0" encoding="utf-8"?>
+<p:cmLst xmlns:a="http://schemas.openxmlformats.org/drawingml/2006/main" xmlns:r="http://schemas.openxmlformats.org/officeDocument/2006/relationships" xmlns:p="http://schemas.openxmlformats.org/presentationml/2006/main">
+  <p:cm authorId="1" dt="2024-10-21T21:17:49.140" idx="5">
+    <p:pos x="10" y="10"/>
+    <p:text>日本動漫風格的高中生男學生，藍黑色M字瀏海，紅眼睛，穿著白色襯衫，給人狡猾的感覺，在籃球場上， 正臉，流汗，由於很累所以撐著膝蓋，身旁的隊友都是一臉滿足，主角看到很錯愕</p:text>
+    <p:extLst>
+      <p:ext uri="{C676402C-5697-4E1C-873F-D02D1690AC5C}">
+        <p15:threadingInfo xmlns:p15="http://schemas.microsoft.com/office/powerpoint/2012/main" timeZoneBias="-480"/>
+      </p:ext>
+    </p:extLst>
+  </p:cm>
+</p:cmLst>
+</file>
+
+<file path=ppt/comments/comment6.xml><?xml version="1.0" encoding="utf-8"?>
+<p:cmLst xmlns:a="http://schemas.openxmlformats.org/drawingml/2006/main" xmlns:r="http://schemas.openxmlformats.org/officeDocument/2006/relationships" xmlns:p="http://schemas.openxmlformats.org/presentationml/2006/main">
+  <p:cm authorId="1" dt="2024-10-21T21:17:49.140" idx="6">
+    <p:pos x="10" y="10"/>
+    <p:text>日本動漫風格的高中生男學生，藍黑色M字瀏海，紅眼睛，穿著白色襯衫，給人狡猾的感覺，在籃球場上， 正臉，流汗，微笑，跟隊友說話，畫到隊友</p:text>
+    <p:extLst>
+      <p:ext uri="{C676402C-5697-4E1C-873F-D02D1690AC5C}">
+        <p15:threadingInfo xmlns:p15="http://schemas.microsoft.com/office/powerpoint/2012/main" timeZoneBias="-480"/>
+      </p:ext>
+    </p:extLst>
+  </p:cm>
+</p:cmLst>
+</file>
+
+<file path=ppt/comments/comment7.xml><?xml version="1.0" encoding="utf-8"?>
+<p:cmLst xmlns:a="http://schemas.openxmlformats.org/drawingml/2006/main" xmlns:r="http://schemas.openxmlformats.org/officeDocument/2006/relationships" xmlns:p="http://schemas.openxmlformats.org/presentationml/2006/main">
+  <p:cm authorId="1" dt="2024-10-21T21:17:49.140" idx="7">
+    <p:pos x="10" y="10"/>
+    <p:text>日本動漫風格的高中生男學生，藍黑色M字瀏海，紅眼睛，穿著白色襯衫，給人狡猾的感覺，在籃球場上， 正臉，流汗，拿著獎盃，拿到冠軍後欣慰的大笑，被隊友圍起來</p:text>
+    <p:extLst>
+      <p:ext uri="{C676402C-5697-4E1C-873F-D02D1690AC5C}">
+        <p15:threadingInfo xmlns:p15="http://schemas.microsoft.com/office/powerpoint/2012/main" timeZoneBias="-480"/>
+      </p:ext>
+    </p:extLst>
+  </p:cm>
+</p:cmLst>
 </file>
 
 <file path=ppt/slideLayouts/slideLayout1.xml><?xml version="1.0" encoding="utf-8"?>
@@ -129,7 +251,7 @@
           <p:cNvPr id="2" name="標題 1">
             <a:extLst>
               <a:ext uri="{FF2B5EF4-FFF2-40B4-BE49-F238E27FC236}">
-                <a16:creationId xmlns:a16="http://schemas.microsoft.com/office/drawing/2014/main" id="{EB5CC918-B447-434E-B98E-5847BB49C259}"/>
+                <a16:creationId xmlns:a16="http://schemas.microsoft.com/office/drawing/2014/main" id="{656E7900-4F9F-4F61-838B-402A6F105A95}"/>
               </a:ext>
             </a:extLst>
           </p:cNvPr>
@@ -166,7 +288,7 @@
           <p:cNvPr id="3" name="副標題 2">
             <a:extLst>
               <a:ext uri="{FF2B5EF4-FFF2-40B4-BE49-F238E27FC236}">
-                <a16:creationId xmlns:a16="http://schemas.microsoft.com/office/drawing/2014/main" id="{817FCC70-CC4E-4CB6-B2CF-9FDA5AC4D346}"/>
+                <a16:creationId xmlns:a16="http://schemas.microsoft.com/office/drawing/2014/main" id="{C0A919CA-529D-4DEA-9C32-661C6B8FECFA}"/>
               </a:ext>
             </a:extLst>
           </p:cNvPr>
@@ -236,7 +358,7 @@
           <p:cNvPr id="4" name="日期版面配置區 3">
             <a:extLst>
               <a:ext uri="{FF2B5EF4-FFF2-40B4-BE49-F238E27FC236}">
-                <a16:creationId xmlns:a16="http://schemas.microsoft.com/office/drawing/2014/main" id="{BD08F018-0004-4322-AD0F-E6E740964233}"/>
+                <a16:creationId xmlns:a16="http://schemas.microsoft.com/office/drawing/2014/main" id="{EAB5962E-2086-43E4-AFBC-C5FE7B1450F2}"/>
               </a:ext>
             </a:extLst>
           </p:cNvPr>
@@ -252,9 +374,9 @@
           <a:bodyPr/>
           <a:lstStyle/>
           <a:p>
-            <a:fld id="{C3C90D7E-32D6-4894-AE08-7BBB3E610FC9}" type="datetimeFigureOut">
+            <a:fld id="{8EF85ABB-B617-4026-94BF-061E35AE0718}" type="datetimeFigureOut">
               <a:rPr lang="zh-TW" altLang="en-US" smtClean="0"/>
-              <a:t>2024/9/16</a:t>
+              <a:t>2024/10/22</a:t>
             </a:fld>
             <a:endParaRPr lang="zh-TW" altLang="en-US"/>
           </a:p>
@@ -265,7 +387,7 @@
           <p:cNvPr id="5" name="頁尾版面配置區 4">
             <a:extLst>
               <a:ext uri="{FF2B5EF4-FFF2-40B4-BE49-F238E27FC236}">
-                <a16:creationId xmlns:a16="http://schemas.microsoft.com/office/drawing/2014/main" id="{30427B34-CB13-41C7-B2F2-CED9BDC5B595}"/>
+                <a16:creationId xmlns:a16="http://schemas.microsoft.com/office/drawing/2014/main" id="{D7555DFA-FC79-405A-B5BF-443CB4675BFB}"/>
               </a:ext>
             </a:extLst>
           </p:cNvPr>
@@ -290,7 +412,7 @@
           <p:cNvPr id="6" name="投影片編號版面配置區 5">
             <a:extLst>
               <a:ext uri="{FF2B5EF4-FFF2-40B4-BE49-F238E27FC236}">
-                <a16:creationId xmlns:a16="http://schemas.microsoft.com/office/drawing/2014/main" id="{76FA962E-5B03-439A-928C-87366876542D}"/>
+                <a16:creationId xmlns:a16="http://schemas.microsoft.com/office/drawing/2014/main" id="{623B6A0F-BD81-400A-93DC-4A4D28FA6CBB}"/>
               </a:ext>
             </a:extLst>
           </p:cNvPr>
@@ -306,7 +428,7 @@
           <a:bodyPr/>
           <a:lstStyle/>
           <a:p>
-            <a:fld id="{E31EC408-072F-4346-BD0A-D6AA5788A305}" type="slidenum">
+            <a:fld id="{257DC3BB-0769-4D97-ABC0-75CB04D650C7}" type="slidenum">
               <a:rPr lang="zh-TW" altLang="en-US" smtClean="0"/>
               <a:t>‹#›</a:t>
             </a:fld>
@@ -317,7 +439,7 @@
     </p:spTree>
     <p:extLst>
       <p:ext uri="{BB962C8B-B14F-4D97-AF65-F5344CB8AC3E}">
-        <p14:creationId xmlns:p14="http://schemas.microsoft.com/office/powerpoint/2010/main" val="2963035110"/>
+        <p14:creationId xmlns:p14="http://schemas.microsoft.com/office/powerpoint/2010/main" val="4038017399"/>
       </p:ext>
     </p:extLst>
   </p:cSld>
@@ -349,7 +471,7 @@
           <p:cNvPr id="2" name="標題 1">
             <a:extLst>
               <a:ext uri="{FF2B5EF4-FFF2-40B4-BE49-F238E27FC236}">
-                <a16:creationId xmlns:a16="http://schemas.microsoft.com/office/drawing/2014/main" id="{A02F0018-7F8E-4206-A929-07CDC6B5F34A}"/>
+                <a16:creationId xmlns:a16="http://schemas.microsoft.com/office/drawing/2014/main" id="{91013430-9A9F-456C-99F1-6AD48D134AE7}"/>
               </a:ext>
             </a:extLst>
           </p:cNvPr>
@@ -377,7 +499,7 @@
           <p:cNvPr id="3" name="直排文字版面配置區 2">
             <a:extLst>
               <a:ext uri="{FF2B5EF4-FFF2-40B4-BE49-F238E27FC236}">
-                <a16:creationId xmlns:a16="http://schemas.microsoft.com/office/drawing/2014/main" id="{9B801E88-34C3-4545-A358-81F5614FED64}"/>
+                <a16:creationId xmlns:a16="http://schemas.microsoft.com/office/drawing/2014/main" id="{A26EAA34-183C-48D5-AD39-52BE268EF559}"/>
               </a:ext>
             </a:extLst>
           </p:cNvPr>
@@ -434,7 +556,7 @@
           <p:cNvPr id="4" name="日期版面配置區 3">
             <a:extLst>
               <a:ext uri="{FF2B5EF4-FFF2-40B4-BE49-F238E27FC236}">
-                <a16:creationId xmlns:a16="http://schemas.microsoft.com/office/drawing/2014/main" id="{60AFD716-8B99-4230-B55F-C8B88ECBB171}"/>
+                <a16:creationId xmlns:a16="http://schemas.microsoft.com/office/drawing/2014/main" id="{42C57B76-17F4-4ECB-AECF-799089F74FFC}"/>
               </a:ext>
             </a:extLst>
           </p:cNvPr>
@@ -450,9 +572,9 @@
           <a:bodyPr/>
           <a:lstStyle/>
           <a:p>
-            <a:fld id="{C3C90D7E-32D6-4894-AE08-7BBB3E610FC9}" type="datetimeFigureOut">
+            <a:fld id="{8EF85ABB-B617-4026-94BF-061E35AE0718}" type="datetimeFigureOut">
               <a:rPr lang="zh-TW" altLang="en-US" smtClean="0"/>
-              <a:t>2024/9/16</a:t>
+              <a:t>2024/10/22</a:t>
             </a:fld>
             <a:endParaRPr lang="zh-TW" altLang="en-US"/>
           </a:p>
@@ -463,7 +585,7 @@
           <p:cNvPr id="5" name="頁尾版面配置區 4">
             <a:extLst>
               <a:ext uri="{FF2B5EF4-FFF2-40B4-BE49-F238E27FC236}">
-                <a16:creationId xmlns:a16="http://schemas.microsoft.com/office/drawing/2014/main" id="{EA374743-76D9-4BF8-A60C-2F50B2636A8A}"/>
+                <a16:creationId xmlns:a16="http://schemas.microsoft.com/office/drawing/2014/main" id="{8B42912A-35BE-4606-8995-59A892DD53F6}"/>
               </a:ext>
             </a:extLst>
           </p:cNvPr>
@@ -488,7 +610,7 @@
           <p:cNvPr id="6" name="投影片編號版面配置區 5">
             <a:extLst>
               <a:ext uri="{FF2B5EF4-FFF2-40B4-BE49-F238E27FC236}">
-                <a16:creationId xmlns:a16="http://schemas.microsoft.com/office/drawing/2014/main" id="{00454594-6C11-4013-A666-A151E960EC9B}"/>
+                <a16:creationId xmlns:a16="http://schemas.microsoft.com/office/drawing/2014/main" id="{9BD1C695-C380-409F-949E-59475C4D6BDD}"/>
               </a:ext>
             </a:extLst>
           </p:cNvPr>
@@ -504,7 +626,7 @@
           <a:bodyPr/>
           <a:lstStyle/>
           <a:p>
-            <a:fld id="{E31EC408-072F-4346-BD0A-D6AA5788A305}" type="slidenum">
+            <a:fld id="{257DC3BB-0769-4D97-ABC0-75CB04D650C7}" type="slidenum">
               <a:rPr lang="zh-TW" altLang="en-US" smtClean="0"/>
               <a:t>‹#›</a:t>
             </a:fld>
@@ -515,7 +637,7 @@
     </p:spTree>
     <p:extLst>
       <p:ext uri="{BB962C8B-B14F-4D97-AF65-F5344CB8AC3E}">
-        <p14:creationId xmlns:p14="http://schemas.microsoft.com/office/powerpoint/2010/main" val="188953001"/>
+        <p14:creationId xmlns:p14="http://schemas.microsoft.com/office/powerpoint/2010/main" val="539439733"/>
       </p:ext>
     </p:extLst>
   </p:cSld>
@@ -547,7 +669,7 @@
           <p:cNvPr id="2" name="直排標題 1">
             <a:extLst>
               <a:ext uri="{FF2B5EF4-FFF2-40B4-BE49-F238E27FC236}">
-                <a16:creationId xmlns:a16="http://schemas.microsoft.com/office/drawing/2014/main" id="{70F760AC-E708-4605-85E2-7D0F424B3E29}"/>
+                <a16:creationId xmlns:a16="http://schemas.microsoft.com/office/drawing/2014/main" id="{6491F0E6-2737-45FA-8B3E-767C88EBE0F6}"/>
               </a:ext>
             </a:extLst>
           </p:cNvPr>
@@ -580,7 +702,7 @@
           <p:cNvPr id="3" name="直排文字版面配置區 2">
             <a:extLst>
               <a:ext uri="{FF2B5EF4-FFF2-40B4-BE49-F238E27FC236}">
-                <a16:creationId xmlns:a16="http://schemas.microsoft.com/office/drawing/2014/main" id="{84BECF48-F3B6-4D47-82A8-C6AE92EDC2F0}"/>
+                <a16:creationId xmlns:a16="http://schemas.microsoft.com/office/drawing/2014/main" id="{421ED325-1F7C-4B79-8A91-C2A6EB1EC379}"/>
               </a:ext>
             </a:extLst>
           </p:cNvPr>
@@ -642,7 +764,7 @@
           <p:cNvPr id="4" name="日期版面配置區 3">
             <a:extLst>
               <a:ext uri="{FF2B5EF4-FFF2-40B4-BE49-F238E27FC236}">
-                <a16:creationId xmlns:a16="http://schemas.microsoft.com/office/drawing/2014/main" id="{215DE52A-093E-4116-A2FE-F61BA999B89F}"/>
+                <a16:creationId xmlns:a16="http://schemas.microsoft.com/office/drawing/2014/main" id="{CFC25F50-1F21-4F3B-9278-64427A0C4266}"/>
               </a:ext>
             </a:extLst>
           </p:cNvPr>
@@ -658,9 +780,9 @@
           <a:bodyPr/>
           <a:lstStyle/>
           <a:p>
-            <a:fld id="{C3C90D7E-32D6-4894-AE08-7BBB3E610FC9}" type="datetimeFigureOut">
+            <a:fld id="{8EF85ABB-B617-4026-94BF-061E35AE0718}" type="datetimeFigureOut">
               <a:rPr lang="zh-TW" altLang="en-US" smtClean="0"/>
-              <a:t>2024/9/16</a:t>
+              <a:t>2024/10/22</a:t>
             </a:fld>
             <a:endParaRPr lang="zh-TW" altLang="en-US"/>
           </a:p>
@@ -671,7 +793,7 @@
           <p:cNvPr id="5" name="頁尾版面配置區 4">
             <a:extLst>
               <a:ext uri="{FF2B5EF4-FFF2-40B4-BE49-F238E27FC236}">
-                <a16:creationId xmlns:a16="http://schemas.microsoft.com/office/drawing/2014/main" id="{34553FE1-A5D9-4070-AA9C-378F491D4677}"/>
+                <a16:creationId xmlns:a16="http://schemas.microsoft.com/office/drawing/2014/main" id="{296AD6B3-B898-407D-996F-E524F8D71FDB}"/>
               </a:ext>
             </a:extLst>
           </p:cNvPr>
@@ -696,7 +818,7 @@
           <p:cNvPr id="6" name="投影片編號版面配置區 5">
             <a:extLst>
               <a:ext uri="{FF2B5EF4-FFF2-40B4-BE49-F238E27FC236}">
-                <a16:creationId xmlns:a16="http://schemas.microsoft.com/office/drawing/2014/main" id="{928EFDDC-5B11-4543-8144-518625EDA57F}"/>
+                <a16:creationId xmlns:a16="http://schemas.microsoft.com/office/drawing/2014/main" id="{E221D183-E792-4921-AA15-64C97EB6963F}"/>
               </a:ext>
             </a:extLst>
           </p:cNvPr>
@@ -712,7 +834,7 @@
           <a:bodyPr/>
           <a:lstStyle/>
           <a:p>
-            <a:fld id="{E31EC408-072F-4346-BD0A-D6AA5788A305}" type="slidenum">
+            <a:fld id="{257DC3BB-0769-4D97-ABC0-75CB04D650C7}" type="slidenum">
               <a:rPr lang="zh-TW" altLang="en-US" smtClean="0"/>
               <a:t>‹#›</a:t>
             </a:fld>
@@ -723,7 +845,7 @@
     </p:spTree>
     <p:extLst>
       <p:ext uri="{BB962C8B-B14F-4D97-AF65-F5344CB8AC3E}">
-        <p14:creationId xmlns:p14="http://schemas.microsoft.com/office/powerpoint/2010/main" val="2483123943"/>
+        <p14:creationId xmlns:p14="http://schemas.microsoft.com/office/powerpoint/2010/main" val="1037373972"/>
       </p:ext>
     </p:extLst>
   </p:cSld>
@@ -755,7 +877,7 @@
           <p:cNvPr id="2" name="標題 1">
             <a:extLst>
               <a:ext uri="{FF2B5EF4-FFF2-40B4-BE49-F238E27FC236}">
-                <a16:creationId xmlns:a16="http://schemas.microsoft.com/office/drawing/2014/main" id="{A1BFCF4C-FB58-444C-B754-A594851E4C7B}"/>
+                <a16:creationId xmlns:a16="http://schemas.microsoft.com/office/drawing/2014/main" id="{C7DB7A34-1842-4E03-933D-D4413A1F0121}"/>
               </a:ext>
             </a:extLst>
           </p:cNvPr>
@@ -783,7 +905,7 @@
           <p:cNvPr id="3" name="內容版面配置區 2">
             <a:extLst>
               <a:ext uri="{FF2B5EF4-FFF2-40B4-BE49-F238E27FC236}">
-                <a16:creationId xmlns:a16="http://schemas.microsoft.com/office/drawing/2014/main" id="{987C475D-648F-4511-A6FE-04B04F755F93}"/>
+                <a16:creationId xmlns:a16="http://schemas.microsoft.com/office/drawing/2014/main" id="{DFB37800-0C83-405F-9D63-68EC159F3DF2}"/>
               </a:ext>
             </a:extLst>
           </p:cNvPr>
@@ -840,7 +962,7 @@
           <p:cNvPr id="4" name="日期版面配置區 3">
             <a:extLst>
               <a:ext uri="{FF2B5EF4-FFF2-40B4-BE49-F238E27FC236}">
-                <a16:creationId xmlns:a16="http://schemas.microsoft.com/office/drawing/2014/main" id="{F511FCF8-D8F7-4914-920F-D63F2D97F713}"/>
+                <a16:creationId xmlns:a16="http://schemas.microsoft.com/office/drawing/2014/main" id="{DCBD5349-56CD-4C18-97C5-D18F4AA5174E}"/>
               </a:ext>
             </a:extLst>
           </p:cNvPr>
@@ -856,9 +978,9 @@
           <a:bodyPr/>
           <a:lstStyle/>
           <a:p>
-            <a:fld id="{C3C90D7E-32D6-4894-AE08-7BBB3E610FC9}" type="datetimeFigureOut">
+            <a:fld id="{8EF85ABB-B617-4026-94BF-061E35AE0718}" type="datetimeFigureOut">
               <a:rPr lang="zh-TW" altLang="en-US" smtClean="0"/>
-              <a:t>2024/9/16</a:t>
+              <a:t>2024/10/22</a:t>
             </a:fld>
             <a:endParaRPr lang="zh-TW" altLang="en-US"/>
           </a:p>
@@ -869,7 +991,7 @@
           <p:cNvPr id="5" name="頁尾版面配置區 4">
             <a:extLst>
               <a:ext uri="{FF2B5EF4-FFF2-40B4-BE49-F238E27FC236}">
-                <a16:creationId xmlns:a16="http://schemas.microsoft.com/office/drawing/2014/main" id="{7E1D3E8F-338D-4B4D-B411-5282866FF95D}"/>
+                <a16:creationId xmlns:a16="http://schemas.microsoft.com/office/drawing/2014/main" id="{880B2349-680A-4933-945C-DEF97C5B3A8F}"/>
               </a:ext>
             </a:extLst>
           </p:cNvPr>
@@ -894,7 +1016,7 @@
           <p:cNvPr id="6" name="投影片編號版面配置區 5">
             <a:extLst>
               <a:ext uri="{FF2B5EF4-FFF2-40B4-BE49-F238E27FC236}">
-                <a16:creationId xmlns:a16="http://schemas.microsoft.com/office/drawing/2014/main" id="{F7DF3AD5-06B6-42D8-AEDF-66CCE6582524}"/>
+                <a16:creationId xmlns:a16="http://schemas.microsoft.com/office/drawing/2014/main" id="{716637BD-05A9-41B4-98B4-665F76F3579C}"/>
               </a:ext>
             </a:extLst>
           </p:cNvPr>
@@ -910,7 +1032,7 @@
           <a:bodyPr/>
           <a:lstStyle/>
           <a:p>
-            <a:fld id="{E31EC408-072F-4346-BD0A-D6AA5788A305}" type="slidenum">
+            <a:fld id="{257DC3BB-0769-4D97-ABC0-75CB04D650C7}" type="slidenum">
               <a:rPr lang="zh-TW" altLang="en-US" smtClean="0"/>
               <a:t>‹#›</a:t>
             </a:fld>
@@ -921,7 +1043,7 @@
     </p:spTree>
     <p:extLst>
       <p:ext uri="{BB962C8B-B14F-4D97-AF65-F5344CB8AC3E}">
-        <p14:creationId xmlns:p14="http://schemas.microsoft.com/office/powerpoint/2010/main" val="4198509733"/>
+        <p14:creationId xmlns:p14="http://schemas.microsoft.com/office/powerpoint/2010/main" val="3804147737"/>
       </p:ext>
     </p:extLst>
   </p:cSld>
@@ -953,7 +1075,7 @@
           <p:cNvPr id="2" name="標題 1">
             <a:extLst>
               <a:ext uri="{FF2B5EF4-FFF2-40B4-BE49-F238E27FC236}">
-                <a16:creationId xmlns:a16="http://schemas.microsoft.com/office/drawing/2014/main" id="{5986B870-2B24-4658-9AEB-3C92E8E40B41}"/>
+                <a16:creationId xmlns:a16="http://schemas.microsoft.com/office/drawing/2014/main" id="{1D25E7CF-8156-48A4-BFC5-83F18D0EA564}"/>
               </a:ext>
             </a:extLst>
           </p:cNvPr>
@@ -990,7 +1112,7 @@
           <p:cNvPr id="3" name="文字版面配置區 2">
             <a:extLst>
               <a:ext uri="{FF2B5EF4-FFF2-40B4-BE49-F238E27FC236}">
-                <a16:creationId xmlns:a16="http://schemas.microsoft.com/office/drawing/2014/main" id="{90235018-E757-4630-8511-F466B919268F}"/>
+                <a16:creationId xmlns:a16="http://schemas.microsoft.com/office/drawing/2014/main" id="{12969D27-DD75-4F23-8C7C-CB6FA0C84A03}"/>
               </a:ext>
             </a:extLst>
           </p:cNvPr>
@@ -1115,7 +1237,7 @@
           <p:cNvPr id="4" name="日期版面配置區 3">
             <a:extLst>
               <a:ext uri="{FF2B5EF4-FFF2-40B4-BE49-F238E27FC236}">
-                <a16:creationId xmlns:a16="http://schemas.microsoft.com/office/drawing/2014/main" id="{37546C76-CF19-433D-9070-0A54A149F1B2}"/>
+                <a16:creationId xmlns:a16="http://schemas.microsoft.com/office/drawing/2014/main" id="{E51CBE09-4D56-4E55-81D0-01EDFF7BEAAC}"/>
               </a:ext>
             </a:extLst>
           </p:cNvPr>
@@ -1131,9 +1253,9 @@
           <a:bodyPr/>
           <a:lstStyle/>
           <a:p>
-            <a:fld id="{C3C90D7E-32D6-4894-AE08-7BBB3E610FC9}" type="datetimeFigureOut">
+            <a:fld id="{8EF85ABB-B617-4026-94BF-061E35AE0718}" type="datetimeFigureOut">
               <a:rPr lang="zh-TW" altLang="en-US" smtClean="0"/>
-              <a:t>2024/9/16</a:t>
+              <a:t>2024/10/22</a:t>
             </a:fld>
             <a:endParaRPr lang="zh-TW" altLang="en-US"/>
           </a:p>
@@ -1144,7 +1266,7 @@
           <p:cNvPr id="5" name="頁尾版面配置區 4">
             <a:extLst>
               <a:ext uri="{FF2B5EF4-FFF2-40B4-BE49-F238E27FC236}">
-                <a16:creationId xmlns:a16="http://schemas.microsoft.com/office/drawing/2014/main" id="{9C9DC25F-827C-4564-AD0E-7FD815D53AF7}"/>
+                <a16:creationId xmlns:a16="http://schemas.microsoft.com/office/drawing/2014/main" id="{CE757B9D-991B-49A6-B779-B09F5645307B}"/>
               </a:ext>
             </a:extLst>
           </p:cNvPr>
@@ -1169,7 +1291,7 @@
           <p:cNvPr id="6" name="投影片編號版面配置區 5">
             <a:extLst>
               <a:ext uri="{FF2B5EF4-FFF2-40B4-BE49-F238E27FC236}">
-                <a16:creationId xmlns:a16="http://schemas.microsoft.com/office/drawing/2014/main" id="{8C0653A6-68AA-4213-8D62-EAF9243D6998}"/>
+                <a16:creationId xmlns:a16="http://schemas.microsoft.com/office/drawing/2014/main" id="{232F9DF2-61CC-4611-9F7E-03CE33DF1026}"/>
               </a:ext>
             </a:extLst>
           </p:cNvPr>
@@ -1185,7 +1307,7 @@
           <a:bodyPr/>
           <a:lstStyle/>
           <a:p>
-            <a:fld id="{E31EC408-072F-4346-BD0A-D6AA5788A305}" type="slidenum">
+            <a:fld id="{257DC3BB-0769-4D97-ABC0-75CB04D650C7}" type="slidenum">
               <a:rPr lang="zh-TW" altLang="en-US" smtClean="0"/>
               <a:t>‹#›</a:t>
             </a:fld>
@@ -1196,7 +1318,7 @@
     </p:spTree>
     <p:extLst>
       <p:ext uri="{BB962C8B-B14F-4D97-AF65-F5344CB8AC3E}">
-        <p14:creationId xmlns:p14="http://schemas.microsoft.com/office/powerpoint/2010/main" val="3126775509"/>
+        <p14:creationId xmlns:p14="http://schemas.microsoft.com/office/powerpoint/2010/main" val="1646786436"/>
       </p:ext>
     </p:extLst>
   </p:cSld>
@@ -1228,7 +1350,7 @@
           <p:cNvPr id="2" name="標題 1">
             <a:extLst>
               <a:ext uri="{FF2B5EF4-FFF2-40B4-BE49-F238E27FC236}">
-                <a16:creationId xmlns:a16="http://schemas.microsoft.com/office/drawing/2014/main" id="{F8A74D77-9E6E-4FD1-97AD-0ADC1228B6AF}"/>
+                <a16:creationId xmlns:a16="http://schemas.microsoft.com/office/drawing/2014/main" id="{91753AD7-BB4F-47F6-B986-C9C739787F0F}"/>
               </a:ext>
             </a:extLst>
           </p:cNvPr>
@@ -1256,7 +1378,7 @@
           <p:cNvPr id="3" name="內容版面配置區 2">
             <a:extLst>
               <a:ext uri="{FF2B5EF4-FFF2-40B4-BE49-F238E27FC236}">
-                <a16:creationId xmlns:a16="http://schemas.microsoft.com/office/drawing/2014/main" id="{9FDE4E9B-689C-4373-B281-9636BE211982}"/>
+                <a16:creationId xmlns:a16="http://schemas.microsoft.com/office/drawing/2014/main" id="{6E5A5EC2-DDFC-4071-9E24-CA0A34B11A5E}"/>
               </a:ext>
             </a:extLst>
           </p:cNvPr>
@@ -1318,7 +1440,7 @@
           <p:cNvPr id="4" name="內容版面配置區 3">
             <a:extLst>
               <a:ext uri="{FF2B5EF4-FFF2-40B4-BE49-F238E27FC236}">
-                <a16:creationId xmlns:a16="http://schemas.microsoft.com/office/drawing/2014/main" id="{CD25EC10-0BDA-4ECA-AB8E-059AC3378E22}"/>
+                <a16:creationId xmlns:a16="http://schemas.microsoft.com/office/drawing/2014/main" id="{8A3C894A-CBD2-4F40-91F3-789621B149C6}"/>
               </a:ext>
             </a:extLst>
           </p:cNvPr>
@@ -1380,7 +1502,7 @@
           <p:cNvPr id="5" name="日期版面配置區 4">
             <a:extLst>
               <a:ext uri="{FF2B5EF4-FFF2-40B4-BE49-F238E27FC236}">
-                <a16:creationId xmlns:a16="http://schemas.microsoft.com/office/drawing/2014/main" id="{63DAF127-0983-4C38-869C-C0A513FA9147}"/>
+                <a16:creationId xmlns:a16="http://schemas.microsoft.com/office/drawing/2014/main" id="{41C24C22-5E3A-4A11-9263-7819DFA2CCDD}"/>
               </a:ext>
             </a:extLst>
           </p:cNvPr>
@@ -1396,9 +1518,9 @@
           <a:bodyPr/>
           <a:lstStyle/>
           <a:p>
-            <a:fld id="{C3C90D7E-32D6-4894-AE08-7BBB3E610FC9}" type="datetimeFigureOut">
+            <a:fld id="{8EF85ABB-B617-4026-94BF-061E35AE0718}" type="datetimeFigureOut">
               <a:rPr lang="zh-TW" altLang="en-US" smtClean="0"/>
-              <a:t>2024/9/16</a:t>
+              <a:t>2024/10/22</a:t>
             </a:fld>
             <a:endParaRPr lang="zh-TW" altLang="en-US"/>
           </a:p>
@@ -1409,7 +1531,7 @@
           <p:cNvPr id="6" name="頁尾版面配置區 5">
             <a:extLst>
               <a:ext uri="{FF2B5EF4-FFF2-40B4-BE49-F238E27FC236}">
-                <a16:creationId xmlns:a16="http://schemas.microsoft.com/office/drawing/2014/main" id="{E014CBA6-CCE3-4CF4-8E13-D895EDBD8F25}"/>
+                <a16:creationId xmlns:a16="http://schemas.microsoft.com/office/drawing/2014/main" id="{3320956F-FDE6-474D-A295-E2C1DF4976D5}"/>
               </a:ext>
             </a:extLst>
           </p:cNvPr>
@@ -1434,7 +1556,7 @@
           <p:cNvPr id="7" name="投影片編號版面配置區 6">
             <a:extLst>
               <a:ext uri="{FF2B5EF4-FFF2-40B4-BE49-F238E27FC236}">
-                <a16:creationId xmlns:a16="http://schemas.microsoft.com/office/drawing/2014/main" id="{5CEAA8E5-79B3-445E-B8C3-29BD56CE6D7A}"/>
+                <a16:creationId xmlns:a16="http://schemas.microsoft.com/office/drawing/2014/main" id="{AFCF222C-DF34-4628-9B03-3E0638680EFD}"/>
               </a:ext>
             </a:extLst>
           </p:cNvPr>
@@ -1450,7 +1572,7 @@
           <a:bodyPr/>
           <a:lstStyle/>
           <a:p>
-            <a:fld id="{E31EC408-072F-4346-BD0A-D6AA5788A305}" type="slidenum">
+            <a:fld id="{257DC3BB-0769-4D97-ABC0-75CB04D650C7}" type="slidenum">
               <a:rPr lang="zh-TW" altLang="en-US" smtClean="0"/>
               <a:t>‹#›</a:t>
             </a:fld>
@@ -1461,7 +1583,7 @@
     </p:spTree>
     <p:extLst>
       <p:ext uri="{BB962C8B-B14F-4D97-AF65-F5344CB8AC3E}">
-        <p14:creationId xmlns:p14="http://schemas.microsoft.com/office/powerpoint/2010/main" val="3858213488"/>
+        <p14:creationId xmlns:p14="http://schemas.microsoft.com/office/powerpoint/2010/main" val="3958497301"/>
       </p:ext>
     </p:extLst>
   </p:cSld>
@@ -1493,7 +1615,7 @@
           <p:cNvPr id="2" name="標題 1">
             <a:extLst>
               <a:ext uri="{FF2B5EF4-FFF2-40B4-BE49-F238E27FC236}">
-                <a16:creationId xmlns:a16="http://schemas.microsoft.com/office/drawing/2014/main" id="{A00F76B6-8DEC-4A74-A06A-BA0146321CD8}"/>
+                <a16:creationId xmlns:a16="http://schemas.microsoft.com/office/drawing/2014/main" id="{3D97C79D-27BA-4995-9B66-C980BF09CADF}"/>
               </a:ext>
             </a:extLst>
           </p:cNvPr>
@@ -1526,7 +1648,7 @@
           <p:cNvPr id="3" name="文字版面配置區 2">
             <a:extLst>
               <a:ext uri="{FF2B5EF4-FFF2-40B4-BE49-F238E27FC236}">
-                <a16:creationId xmlns:a16="http://schemas.microsoft.com/office/drawing/2014/main" id="{EF00F5C5-99A7-4F16-855A-F170362659F7}"/>
+                <a16:creationId xmlns:a16="http://schemas.microsoft.com/office/drawing/2014/main" id="{9C303852-5828-4CF0-83A1-BD069D5A31D1}"/>
               </a:ext>
             </a:extLst>
           </p:cNvPr>
@@ -1597,7 +1719,7 @@
           <p:cNvPr id="4" name="內容版面配置區 3">
             <a:extLst>
               <a:ext uri="{FF2B5EF4-FFF2-40B4-BE49-F238E27FC236}">
-                <a16:creationId xmlns:a16="http://schemas.microsoft.com/office/drawing/2014/main" id="{6722BEB2-C9B4-4C14-8234-D17E84349984}"/>
+                <a16:creationId xmlns:a16="http://schemas.microsoft.com/office/drawing/2014/main" id="{A7258C1A-EC92-4B63-9A5D-6990DCFD3F9C}"/>
               </a:ext>
             </a:extLst>
           </p:cNvPr>
@@ -1659,7 +1781,7 @@
           <p:cNvPr id="5" name="文字版面配置區 4">
             <a:extLst>
               <a:ext uri="{FF2B5EF4-FFF2-40B4-BE49-F238E27FC236}">
-                <a16:creationId xmlns:a16="http://schemas.microsoft.com/office/drawing/2014/main" id="{E4A41162-A0AC-4211-940F-4B92208F9B0E}"/>
+                <a16:creationId xmlns:a16="http://schemas.microsoft.com/office/drawing/2014/main" id="{346B289E-8A9A-4266-9A96-02269BB02F92}"/>
               </a:ext>
             </a:extLst>
           </p:cNvPr>
@@ -1730,7 +1852,7 @@
           <p:cNvPr id="6" name="內容版面配置區 5">
             <a:extLst>
               <a:ext uri="{FF2B5EF4-FFF2-40B4-BE49-F238E27FC236}">
-                <a16:creationId xmlns:a16="http://schemas.microsoft.com/office/drawing/2014/main" id="{E8EA159A-F9D7-4F58-A7C3-6E5B65E42266}"/>
+                <a16:creationId xmlns:a16="http://schemas.microsoft.com/office/drawing/2014/main" id="{4D2F9C81-0537-4258-A6F8-A6777FED313C}"/>
               </a:ext>
             </a:extLst>
           </p:cNvPr>
@@ -1792,7 +1914,7 @@
           <p:cNvPr id="7" name="日期版面配置區 6">
             <a:extLst>
               <a:ext uri="{FF2B5EF4-FFF2-40B4-BE49-F238E27FC236}">
-                <a16:creationId xmlns:a16="http://schemas.microsoft.com/office/drawing/2014/main" id="{AE973E80-9141-48B7-A9D7-605A4541768F}"/>
+                <a16:creationId xmlns:a16="http://schemas.microsoft.com/office/drawing/2014/main" id="{A6F2CA56-62A7-4AC2-9A5E-2B06336281DA}"/>
               </a:ext>
             </a:extLst>
           </p:cNvPr>
@@ -1808,9 +1930,9 @@
           <a:bodyPr/>
           <a:lstStyle/>
           <a:p>
-            <a:fld id="{C3C90D7E-32D6-4894-AE08-7BBB3E610FC9}" type="datetimeFigureOut">
+            <a:fld id="{8EF85ABB-B617-4026-94BF-061E35AE0718}" type="datetimeFigureOut">
               <a:rPr lang="zh-TW" altLang="en-US" smtClean="0"/>
-              <a:t>2024/9/16</a:t>
+              <a:t>2024/10/22</a:t>
             </a:fld>
             <a:endParaRPr lang="zh-TW" altLang="en-US"/>
           </a:p>
@@ -1821,7 +1943,7 @@
           <p:cNvPr id="8" name="頁尾版面配置區 7">
             <a:extLst>
               <a:ext uri="{FF2B5EF4-FFF2-40B4-BE49-F238E27FC236}">
-                <a16:creationId xmlns:a16="http://schemas.microsoft.com/office/drawing/2014/main" id="{6520B07A-79F8-43E7-8013-632DD2AED223}"/>
+                <a16:creationId xmlns:a16="http://schemas.microsoft.com/office/drawing/2014/main" id="{20E21EF1-57A2-4B83-9E1D-459B68E7A9F6}"/>
               </a:ext>
             </a:extLst>
           </p:cNvPr>
@@ -1846,7 +1968,7 @@
           <p:cNvPr id="9" name="投影片編號版面配置區 8">
             <a:extLst>
               <a:ext uri="{FF2B5EF4-FFF2-40B4-BE49-F238E27FC236}">
-                <a16:creationId xmlns:a16="http://schemas.microsoft.com/office/drawing/2014/main" id="{3B997D8F-4F1C-4DE6-A82C-3E0C38ACAE96}"/>
+                <a16:creationId xmlns:a16="http://schemas.microsoft.com/office/drawing/2014/main" id="{549F9501-17EA-4095-9285-8840C5919338}"/>
               </a:ext>
             </a:extLst>
           </p:cNvPr>
@@ -1862,7 +1984,7 @@
           <a:bodyPr/>
           <a:lstStyle/>
           <a:p>
-            <a:fld id="{E31EC408-072F-4346-BD0A-D6AA5788A305}" type="slidenum">
+            <a:fld id="{257DC3BB-0769-4D97-ABC0-75CB04D650C7}" type="slidenum">
               <a:rPr lang="zh-TW" altLang="en-US" smtClean="0"/>
               <a:t>‹#›</a:t>
             </a:fld>
@@ -1873,7 +1995,7 @@
     </p:spTree>
     <p:extLst>
       <p:ext uri="{BB962C8B-B14F-4D97-AF65-F5344CB8AC3E}">
-        <p14:creationId xmlns:p14="http://schemas.microsoft.com/office/powerpoint/2010/main" val="3379995638"/>
+        <p14:creationId xmlns:p14="http://schemas.microsoft.com/office/powerpoint/2010/main" val="2418456103"/>
       </p:ext>
     </p:extLst>
   </p:cSld>
@@ -1905,7 +2027,7 @@
           <p:cNvPr id="2" name="標題 1">
             <a:extLst>
               <a:ext uri="{FF2B5EF4-FFF2-40B4-BE49-F238E27FC236}">
-                <a16:creationId xmlns:a16="http://schemas.microsoft.com/office/drawing/2014/main" id="{6CE04611-FD10-429D-89AA-73C259B64293}"/>
+                <a16:creationId xmlns:a16="http://schemas.microsoft.com/office/drawing/2014/main" id="{DE803689-0164-4526-A90B-8FBED6205706}"/>
               </a:ext>
             </a:extLst>
           </p:cNvPr>
@@ -1933,7 +2055,7 @@
           <p:cNvPr id="3" name="日期版面配置區 2">
             <a:extLst>
               <a:ext uri="{FF2B5EF4-FFF2-40B4-BE49-F238E27FC236}">
-                <a16:creationId xmlns:a16="http://schemas.microsoft.com/office/drawing/2014/main" id="{2D9009F3-A280-4DA8-ACC4-187DE2172BCA}"/>
+                <a16:creationId xmlns:a16="http://schemas.microsoft.com/office/drawing/2014/main" id="{543603E8-BAE6-4145-BC2E-CDC3AA2D34F2}"/>
               </a:ext>
             </a:extLst>
           </p:cNvPr>
@@ -1949,9 +2071,9 @@
           <a:bodyPr/>
           <a:lstStyle/>
           <a:p>
-            <a:fld id="{C3C90D7E-32D6-4894-AE08-7BBB3E610FC9}" type="datetimeFigureOut">
+            <a:fld id="{8EF85ABB-B617-4026-94BF-061E35AE0718}" type="datetimeFigureOut">
               <a:rPr lang="zh-TW" altLang="en-US" smtClean="0"/>
-              <a:t>2024/9/16</a:t>
+              <a:t>2024/10/22</a:t>
             </a:fld>
             <a:endParaRPr lang="zh-TW" altLang="en-US"/>
           </a:p>
@@ -1962,7 +2084,7 @@
           <p:cNvPr id="4" name="頁尾版面配置區 3">
             <a:extLst>
               <a:ext uri="{FF2B5EF4-FFF2-40B4-BE49-F238E27FC236}">
-                <a16:creationId xmlns:a16="http://schemas.microsoft.com/office/drawing/2014/main" id="{F8FD791E-F627-4DDB-AD69-F7639FDD1767}"/>
+                <a16:creationId xmlns:a16="http://schemas.microsoft.com/office/drawing/2014/main" id="{E192EE76-E83B-441E-BCD3-7380F32AABF0}"/>
               </a:ext>
             </a:extLst>
           </p:cNvPr>
@@ -1987,7 +2109,7 @@
           <p:cNvPr id="5" name="投影片編號版面配置區 4">
             <a:extLst>
               <a:ext uri="{FF2B5EF4-FFF2-40B4-BE49-F238E27FC236}">
-                <a16:creationId xmlns:a16="http://schemas.microsoft.com/office/drawing/2014/main" id="{CE9C3C73-9A1B-4A20-B40C-BF8E0726E9AE}"/>
+                <a16:creationId xmlns:a16="http://schemas.microsoft.com/office/drawing/2014/main" id="{FBEE6AC6-661C-47AD-BA74-7D5B2CB41D6E}"/>
               </a:ext>
             </a:extLst>
           </p:cNvPr>
@@ -2003,7 +2125,7 @@
           <a:bodyPr/>
           <a:lstStyle/>
           <a:p>
-            <a:fld id="{E31EC408-072F-4346-BD0A-D6AA5788A305}" type="slidenum">
+            <a:fld id="{257DC3BB-0769-4D97-ABC0-75CB04D650C7}" type="slidenum">
               <a:rPr lang="zh-TW" altLang="en-US" smtClean="0"/>
               <a:t>‹#›</a:t>
             </a:fld>
@@ -2014,7 +2136,7 @@
     </p:spTree>
     <p:extLst>
       <p:ext uri="{BB962C8B-B14F-4D97-AF65-F5344CB8AC3E}">
-        <p14:creationId xmlns:p14="http://schemas.microsoft.com/office/powerpoint/2010/main" val="3116621787"/>
+        <p14:creationId xmlns:p14="http://schemas.microsoft.com/office/powerpoint/2010/main" val="3493820636"/>
       </p:ext>
     </p:extLst>
   </p:cSld>
@@ -2046,7 +2168,7 @@
           <p:cNvPr id="2" name="日期版面配置區 1">
             <a:extLst>
               <a:ext uri="{FF2B5EF4-FFF2-40B4-BE49-F238E27FC236}">
-                <a16:creationId xmlns:a16="http://schemas.microsoft.com/office/drawing/2014/main" id="{1E1D8EED-F2A7-4221-9887-0DBB62EB3F80}"/>
+                <a16:creationId xmlns:a16="http://schemas.microsoft.com/office/drawing/2014/main" id="{D57B7ED0-B055-4553-A283-7D26CC1463D7}"/>
               </a:ext>
             </a:extLst>
           </p:cNvPr>
@@ -2062,9 +2184,9 @@
           <a:bodyPr/>
           <a:lstStyle/>
           <a:p>
-            <a:fld id="{C3C90D7E-32D6-4894-AE08-7BBB3E610FC9}" type="datetimeFigureOut">
+            <a:fld id="{8EF85ABB-B617-4026-94BF-061E35AE0718}" type="datetimeFigureOut">
               <a:rPr lang="zh-TW" altLang="en-US" smtClean="0"/>
-              <a:t>2024/9/16</a:t>
+              <a:t>2024/10/22</a:t>
             </a:fld>
             <a:endParaRPr lang="zh-TW" altLang="en-US"/>
           </a:p>
@@ -2075,7 +2197,7 @@
           <p:cNvPr id="3" name="頁尾版面配置區 2">
             <a:extLst>
               <a:ext uri="{FF2B5EF4-FFF2-40B4-BE49-F238E27FC236}">
-                <a16:creationId xmlns:a16="http://schemas.microsoft.com/office/drawing/2014/main" id="{10593B39-DC86-45A7-85EF-B4DB9C28DC80}"/>
+                <a16:creationId xmlns:a16="http://schemas.microsoft.com/office/drawing/2014/main" id="{89AFC01F-2391-47A2-B321-CE4B40DB2324}"/>
               </a:ext>
             </a:extLst>
           </p:cNvPr>
@@ -2100,7 +2222,7 @@
           <p:cNvPr id="4" name="投影片編號版面配置區 3">
             <a:extLst>
               <a:ext uri="{FF2B5EF4-FFF2-40B4-BE49-F238E27FC236}">
-                <a16:creationId xmlns:a16="http://schemas.microsoft.com/office/drawing/2014/main" id="{3D9056B2-6966-4CAF-94D1-2295A737E168}"/>
+                <a16:creationId xmlns:a16="http://schemas.microsoft.com/office/drawing/2014/main" id="{33F60AFC-D57B-4086-BEC5-25264CFFB017}"/>
               </a:ext>
             </a:extLst>
           </p:cNvPr>
@@ -2116,7 +2238,7 @@
           <a:bodyPr/>
           <a:lstStyle/>
           <a:p>
-            <a:fld id="{E31EC408-072F-4346-BD0A-D6AA5788A305}" type="slidenum">
+            <a:fld id="{257DC3BB-0769-4D97-ABC0-75CB04D650C7}" type="slidenum">
               <a:rPr lang="zh-TW" altLang="en-US" smtClean="0"/>
               <a:t>‹#›</a:t>
             </a:fld>
@@ -2127,7 +2249,7 @@
     </p:spTree>
     <p:extLst>
       <p:ext uri="{BB962C8B-B14F-4D97-AF65-F5344CB8AC3E}">
-        <p14:creationId xmlns:p14="http://schemas.microsoft.com/office/powerpoint/2010/main" val="3887241942"/>
+        <p14:creationId xmlns:p14="http://schemas.microsoft.com/office/powerpoint/2010/main" val="1323871264"/>
       </p:ext>
     </p:extLst>
   </p:cSld>
@@ -2159,7 +2281,7 @@
           <p:cNvPr id="2" name="標題 1">
             <a:extLst>
               <a:ext uri="{FF2B5EF4-FFF2-40B4-BE49-F238E27FC236}">
-                <a16:creationId xmlns:a16="http://schemas.microsoft.com/office/drawing/2014/main" id="{5C3076DF-D16B-4600-9550-96C6A8DD7F1A}"/>
+                <a16:creationId xmlns:a16="http://schemas.microsoft.com/office/drawing/2014/main" id="{560E7216-0B40-41AF-A9E0-281A609324D8}"/>
               </a:ext>
             </a:extLst>
           </p:cNvPr>
@@ -2196,7 +2318,7 @@
           <p:cNvPr id="3" name="內容版面配置區 2">
             <a:extLst>
               <a:ext uri="{FF2B5EF4-FFF2-40B4-BE49-F238E27FC236}">
-                <a16:creationId xmlns:a16="http://schemas.microsoft.com/office/drawing/2014/main" id="{9CD3D667-FDE5-4F5D-9495-588EC18912CE}"/>
+                <a16:creationId xmlns:a16="http://schemas.microsoft.com/office/drawing/2014/main" id="{E36B9884-BEFF-4761-AAAE-49EFFB165C95}"/>
               </a:ext>
             </a:extLst>
           </p:cNvPr>
@@ -2286,7 +2408,7 @@
           <p:cNvPr id="4" name="文字版面配置區 3">
             <a:extLst>
               <a:ext uri="{FF2B5EF4-FFF2-40B4-BE49-F238E27FC236}">
-                <a16:creationId xmlns:a16="http://schemas.microsoft.com/office/drawing/2014/main" id="{22F511E7-BEEF-4F51-BA0E-52C1908D5608}"/>
+                <a16:creationId xmlns:a16="http://schemas.microsoft.com/office/drawing/2014/main" id="{7975C69B-AB96-4F34-8BE3-56FBA0A3CF77}"/>
               </a:ext>
             </a:extLst>
           </p:cNvPr>
@@ -2357,7 +2479,7 @@
           <p:cNvPr id="5" name="日期版面配置區 4">
             <a:extLst>
               <a:ext uri="{FF2B5EF4-FFF2-40B4-BE49-F238E27FC236}">
-                <a16:creationId xmlns:a16="http://schemas.microsoft.com/office/drawing/2014/main" id="{88060697-A92E-4178-A790-FCBB90D70573}"/>
+                <a16:creationId xmlns:a16="http://schemas.microsoft.com/office/drawing/2014/main" id="{A4880CFE-D2E6-4763-AB54-44238BE8EFBC}"/>
               </a:ext>
             </a:extLst>
           </p:cNvPr>
@@ -2373,9 +2495,9 @@
           <a:bodyPr/>
           <a:lstStyle/>
           <a:p>
-            <a:fld id="{C3C90D7E-32D6-4894-AE08-7BBB3E610FC9}" type="datetimeFigureOut">
+            <a:fld id="{8EF85ABB-B617-4026-94BF-061E35AE0718}" type="datetimeFigureOut">
               <a:rPr lang="zh-TW" altLang="en-US" smtClean="0"/>
-              <a:t>2024/9/16</a:t>
+              <a:t>2024/10/22</a:t>
             </a:fld>
             <a:endParaRPr lang="zh-TW" altLang="en-US"/>
           </a:p>
@@ -2386,7 +2508,7 @@
           <p:cNvPr id="6" name="頁尾版面配置區 5">
             <a:extLst>
               <a:ext uri="{FF2B5EF4-FFF2-40B4-BE49-F238E27FC236}">
-                <a16:creationId xmlns:a16="http://schemas.microsoft.com/office/drawing/2014/main" id="{2A8E3F57-A99A-4C4C-BF14-EE42AB99CE78}"/>
+                <a16:creationId xmlns:a16="http://schemas.microsoft.com/office/drawing/2014/main" id="{895F668D-5B67-421C-8EE4-E0E71A22130C}"/>
               </a:ext>
             </a:extLst>
           </p:cNvPr>
@@ -2411,7 +2533,7 @@
           <p:cNvPr id="7" name="投影片編號版面配置區 6">
             <a:extLst>
               <a:ext uri="{FF2B5EF4-FFF2-40B4-BE49-F238E27FC236}">
-                <a16:creationId xmlns:a16="http://schemas.microsoft.com/office/drawing/2014/main" id="{39234440-6924-48D7-AC1A-200D5946BCA9}"/>
+                <a16:creationId xmlns:a16="http://schemas.microsoft.com/office/drawing/2014/main" id="{67FC04AF-892D-4C0B-B84A-53FA41BE0FF0}"/>
               </a:ext>
             </a:extLst>
           </p:cNvPr>
@@ -2427,7 +2549,7 @@
           <a:bodyPr/>
           <a:lstStyle/>
           <a:p>
-            <a:fld id="{E31EC408-072F-4346-BD0A-D6AA5788A305}" type="slidenum">
+            <a:fld id="{257DC3BB-0769-4D97-ABC0-75CB04D650C7}" type="slidenum">
               <a:rPr lang="zh-TW" altLang="en-US" smtClean="0"/>
               <a:t>‹#›</a:t>
             </a:fld>
@@ -2438,7 +2560,7 @@
     </p:spTree>
     <p:extLst>
       <p:ext uri="{BB962C8B-B14F-4D97-AF65-F5344CB8AC3E}">
-        <p14:creationId xmlns:p14="http://schemas.microsoft.com/office/powerpoint/2010/main" val="2036183199"/>
+        <p14:creationId xmlns:p14="http://schemas.microsoft.com/office/powerpoint/2010/main" val="28766435"/>
       </p:ext>
     </p:extLst>
   </p:cSld>
@@ -2470,7 +2592,7 @@
           <p:cNvPr id="2" name="標題 1">
             <a:extLst>
               <a:ext uri="{FF2B5EF4-FFF2-40B4-BE49-F238E27FC236}">
-                <a16:creationId xmlns:a16="http://schemas.microsoft.com/office/drawing/2014/main" id="{B2E81694-0B93-4D65-9DA3-21597478A96C}"/>
+                <a16:creationId xmlns:a16="http://schemas.microsoft.com/office/drawing/2014/main" id="{DE404615-7DE4-48A2-9882-43EC6BA29004}"/>
               </a:ext>
             </a:extLst>
           </p:cNvPr>
@@ -2507,7 +2629,7 @@
           <p:cNvPr id="3" name="圖片版面配置區 2">
             <a:extLst>
               <a:ext uri="{FF2B5EF4-FFF2-40B4-BE49-F238E27FC236}">
-                <a16:creationId xmlns:a16="http://schemas.microsoft.com/office/drawing/2014/main" id="{23E4D718-8CB0-4334-BB8A-FB8B57D7CDC6}"/>
+                <a16:creationId xmlns:a16="http://schemas.microsoft.com/office/drawing/2014/main" id="{C70CC83A-F8FB-40B8-B386-D171D35836F0}"/>
               </a:ext>
             </a:extLst>
           </p:cNvPr>
@@ -2574,7 +2696,7 @@
           <p:cNvPr id="4" name="文字版面配置區 3">
             <a:extLst>
               <a:ext uri="{FF2B5EF4-FFF2-40B4-BE49-F238E27FC236}">
-                <a16:creationId xmlns:a16="http://schemas.microsoft.com/office/drawing/2014/main" id="{0DC47463-53E7-4FE3-B60B-1657D11127BD}"/>
+                <a16:creationId xmlns:a16="http://schemas.microsoft.com/office/drawing/2014/main" id="{5D588E78-349F-4B8A-8FAD-D3951A4716B4}"/>
               </a:ext>
             </a:extLst>
           </p:cNvPr>
@@ -2645,7 +2767,7 @@
           <p:cNvPr id="5" name="日期版面配置區 4">
             <a:extLst>
               <a:ext uri="{FF2B5EF4-FFF2-40B4-BE49-F238E27FC236}">
-                <a16:creationId xmlns:a16="http://schemas.microsoft.com/office/drawing/2014/main" id="{28875DC5-6AFF-40C0-8C77-F81A0A3E1B0F}"/>
+                <a16:creationId xmlns:a16="http://schemas.microsoft.com/office/drawing/2014/main" id="{DE1351CA-BAEA-4932-BC95-431A377C9741}"/>
               </a:ext>
             </a:extLst>
           </p:cNvPr>
@@ -2661,9 +2783,9 @@
           <a:bodyPr/>
           <a:lstStyle/>
           <a:p>
-            <a:fld id="{C3C90D7E-32D6-4894-AE08-7BBB3E610FC9}" type="datetimeFigureOut">
+            <a:fld id="{8EF85ABB-B617-4026-94BF-061E35AE0718}" type="datetimeFigureOut">
               <a:rPr lang="zh-TW" altLang="en-US" smtClean="0"/>
-              <a:t>2024/9/16</a:t>
+              <a:t>2024/10/22</a:t>
             </a:fld>
             <a:endParaRPr lang="zh-TW" altLang="en-US"/>
           </a:p>
@@ -2674,7 +2796,7 @@
           <p:cNvPr id="6" name="頁尾版面配置區 5">
             <a:extLst>
               <a:ext uri="{FF2B5EF4-FFF2-40B4-BE49-F238E27FC236}">
-                <a16:creationId xmlns:a16="http://schemas.microsoft.com/office/drawing/2014/main" id="{24F8A973-6D07-4F0C-97A0-280FEFC238E0}"/>
+                <a16:creationId xmlns:a16="http://schemas.microsoft.com/office/drawing/2014/main" id="{73AE00D4-AB08-44CE-AF7F-C2555EA64625}"/>
               </a:ext>
             </a:extLst>
           </p:cNvPr>
@@ -2699,7 +2821,7 @@
           <p:cNvPr id="7" name="投影片編號版面配置區 6">
             <a:extLst>
               <a:ext uri="{FF2B5EF4-FFF2-40B4-BE49-F238E27FC236}">
-                <a16:creationId xmlns:a16="http://schemas.microsoft.com/office/drawing/2014/main" id="{DB60BB1E-F41B-40F0-929B-5208374980BF}"/>
+                <a16:creationId xmlns:a16="http://schemas.microsoft.com/office/drawing/2014/main" id="{6D3FE036-52DD-4AA3-BD4C-2ADD9C97588B}"/>
               </a:ext>
             </a:extLst>
           </p:cNvPr>
@@ -2715,7 +2837,7 @@
           <a:bodyPr/>
           <a:lstStyle/>
           <a:p>
-            <a:fld id="{E31EC408-072F-4346-BD0A-D6AA5788A305}" type="slidenum">
+            <a:fld id="{257DC3BB-0769-4D97-ABC0-75CB04D650C7}" type="slidenum">
               <a:rPr lang="zh-TW" altLang="en-US" smtClean="0"/>
               <a:t>‹#›</a:t>
             </a:fld>
@@ -2726,7 +2848,7 @@
     </p:spTree>
     <p:extLst>
       <p:ext uri="{BB962C8B-B14F-4D97-AF65-F5344CB8AC3E}">
-        <p14:creationId xmlns:p14="http://schemas.microsoft.com/office/powerpoint/2010/main" val="3148270851"/>
+        <p14:creationId xmlns:p14="http://schemas.microsoft.com/office/powerpoint/2010/main" val="3245727391"/>
       </p:ext>
     </p:extLst>
   </p:cSld>
@@ -2763,7 +2885,7 @@
           <p:cNvPr id="2" name="標題版面配置區 1">
             <a:extLst>
               <a:ext uri="{FF2B5EF4-FFF2-40B4-BE49-F238E27FC236}">
-                <a16:creationId xmlns:a16="http://schemas.microsoft.com/office/drawing/2014/main" id="{B8575AAC-624C-4B52-ABD4-699B1E35D2CF}"/>
+                <a16:creationId xmlns:a16="http://schemas.microsoft.com/office/drawing/2014/main" id="{CB2C9B42-42B7-4DD7-906A-3AE72A369F8E}"/>
               </a:ext>
             </a:extLst>
           </p:cNvPr>
@@ -2801,7 +2923,7 @@
           <p:cNvPr id="3" name="文字版面配置區 2">
             <a:extLst>
               <a:ext uri="{FF2B5EF4-FFF2-40B4-BE49-F238E27FC236}">
-                <a16:creationId xmlns:a16="http://schemas.microsoft.com/office/drawing/2014/main" id="{76722991-C57D-471F-8271-C419A1CFB074}"/>
+                <a16:creationId xmlns:a16="http://schemas.microsoft.com/office/drawing/2014/main" id="{920A2866-1A98-40B7-815E-226145C06CC4}"/>
               </a:ext>
             </a:extLst>
           </p:cNvPr>
@@ -2868,7 +2990,7 @@
           <p:cNvPr id="4" name="日期版面配置區 3">
             <a:extLst>
               <a:ext uri="{FF2B5EF4-FFF2-40B4-BE49-F238E27FC236}">
-                <a16:creationId xmlns:a16="http://schemas.microsoft.com/office/drawing/2014/main" id="{85C839DD-8CBF-4E23-A0C7-7C039E950BB8}"/>
+                <a16:creationId xmlns:a16="http://schemas.microsoft.com/office/drawing/2014/main" id="{D38EB91F-E0FD-4997-BC81-8A0586623282}"/>
               </a:ext>
             </a:extLst>
           </p:cNvPr>
@@ -2902,9 +3024,9 @@
             </a:lvl1pPr>
           </a:lstStyle>
           <a:p>
-            <a:fld id="{C3C90D7E-32D6-4894-AE08-7BBB3E610FC9}" type="datetimeFigureOut">
+            <a:fld id="{8EF85ABB-B617-4026-94BF-061E35AE0718}" type="datetimeFigureOut">
               <a:rPr lang="zh-TW" altLang="en-US" smtClean="0"/>
-              <a:t>2024/9/16</a:t>
+              <a:t>2024/10/22</a:t>
             </a:fld>
             <a:endParaRPr lang="zh-TW" altLang="en-US"/>
           </a:p>
@@ -2915,7 +3037,7 @@
           <p:cNvPr id="5" name="頁尾版面配置區 4">
             <a:extLst>
               <a:ext uri="{FF2B5EF4-FFF2-40B4-BE49-F238E27FC236}">
-                <a16:creationId xmlns:a16="http://schemas.microsoft.com/office/drawing/2014/main" id="{12802D8A-77D4-418C-8190-43B6ADED2131}"/>
+                <a16:creationId xmlns:a16="http://schemas.microsoft.com/office/drawing/2014/main" id="{5F96AECE-FD77-4A74-A33D-94DF873D4358}"/>
               </a:ext>
             </a:extLst>
           </p:cNvPr>
@@ -2958,7 +3080,7 @@
           <p:cNvPr id="6" name="投影片編號版面配置區 5">
             <a:extLst>
               <a:ext uri="{FF2B5EF4-FFF2-40B4-BE49-F238E27FC236}">
-                <a16:creationId xmlns:a16="http://schemas.microsoft.com/office/drawing/2014/main" id="{7072B55E-2BE2-4AF4-AFF8-2A716F492F1C}"/>
+                <a16:creationId xmlns:a16="http://schemas.microsoft.com/office/drawing/2014/main" id="{C3BDB4DF-8507-4467-A4E6-0C6D6E99DFA0}"/>
               </a:ext>
             </a:extLst>
           </p:cNvPr>
@@ -2992,7 +3114,7 @@
             </a:lvl1pPr>
           </a:lstStyle>
           <a:p>
-            <a:fld id="{E31EC408-072F-4346-BD0A-D6AA5788A305}" type="slidenum">
+            <a:fld id="{257DC3BB-0769-4D97-ABC0-75CB04D650C7}" type="slidenum">
               <a:rPr lang="zh-TW" altLang="en-US" smtClean="0"/>
               <a:t>‹#›</a:t>
             </a:fld>
@@ -3003,7 +3125,7 @@
     </p:spTree>
     <p:extLst>
       <p:ext uri="{BB962C8B-B14F-4D97-AF65-F5344CB8AC3E}">
-        <p14:creationId xmlns:p14="http://schemas.microsoft.com/office/powerpoint/2010/main" val="2016052060"/>
+        <p14:creationId xmlns:p14="http://schemas.microsoft.com/office/powerpoint/2010/main" val="1215996788"/>
       </p:ext>
     </p:extLst>
   </p:cSld>
@@ -3307,6 +3429,17 @@
 <file path=ppt/slides/slide1.xml><?xml version="1.0" encoding="utf-8"?>
 <p:sld xmlns:a="http://schemas.openxmlformats.org/drawingml/2006/main" xmlns:r="http://schemas.openxmlformats.org/officeDocument/2006/relationships" xmlns:p="http://schemas.openxmlformats.org/presentationml/2006/main">
   <p:cSld>
+    <p:bg>
+      <p:bgPr>
+        <a:solidFill>
+          <a:schemeClr val="tx2">
+            <a:lumMod val="40000"/>
+            <a:lumOff val="60000"/>
+          </a:schemeClr>
+        </a:solidFill>
+        <a:effectLst/>
+      </p:bgPr>
+    </p:bg>
     <p:spTree>
       <p:nvGrpSpPr>
         <p:cNvPr id="1" name=""/>
@@ -3323,35 +3456,10 @@
       </p:grpSpPr>
       <p:sp>
         <p:nvSpPr>
-          <p:cNvPr id="2" name="標題 1">
-            <a:extLst>
-              <a:ext uri="{FF2B5EF4-FFF2-40B4-BE49-F238E27FC236}">
-                <a16:creationId xmlns:a16="http://schemas.microsoft.com/office/drawing/2014/main" id="{32532283-9F93-4E44-8138-32796965361F}"/>
-              </a:ext>
-            </a:extLst>
-          </p:cNvPr>
-          <p:cNvSpPr>
-            <a:spLocks noGrp="1"/>
-          </p:cNvSpPr>
-          <p:nvPr>
-            <p:ph type="ctrTitle"/>
-          </p:nvPr>
-        </p:nvSpPr>
-        <p:spPr/>
-        <p:txBody>
-          <a:bodyPr/>
-          <a:lstStyle/>
-          <a:p>
-            <a:endParaRPr lang="zh-TW" altLang="en-US"/>
-          </a:p>
-        </p:txBody>
-      </p:sp>
-      <p:sp>
-        <p:nvSpPr>
           <p:cNvPr id="3" name="副標題 2">
             <a:extLst>
               <a:ext uri="{FF2B5EF4-FFF2-40B4-BE49-F238E27FC236}">
-                <a16:creationId xmlns:a16="http://schemas.microsoft.com/office/drawing/2014/main" id="{8C946F38-524D-4B98-B9CB-80AEE57E455A}"/>
+                <a16:creationId xmlns:a16="http://schemas.microsoft.com/office/drawing/2014/main" id="{B3E29972-47F2-4C9B-95BB-B915E03A355C}"/>
               </a:ext>
             </a:extLst>
           </p:cNvPr>
@@ -3362,25 +3470,1063 @@
             <p:ph type="subTitle" idx="1"/>
           </p:nvPr>
         </p:nvSpPr>
-        <p:spPr/>
-        <p:txBody>
-          <a:bodyPr/>
-          <a:lstStyle/>
-          <a:p>
-            <a:endParaRPr lang="zh-TW" altLang="en-US"/>
+        <p:spPr>
+          <a:xfrm>
+            <a:off x="955589" y="1130687"/>
+            <a:ext cx="9144000" cy="1655762"/>
+          </a:xfrm>
+        </p:spPr>
+        <p:txBody>
+          <a:bodyPr>
+            <a:noAutofit/>
+          </a:bodyPr>
+          <a:lstStyle/>
+          <a:p>
+            <a:pPr algn="l"/>
+            <a:r>
+              <a:rPr lang="zh-TW" altLang="en-US" sz="5400" b="1" dirty="0">
+                <a:latin typeface="微軟正黑體" panose="020B0604030504040204" pitchFamily="34" charset="-120"/>
+                <a:ea typeface="微軟正黑體" panose="020B0604030504040204" pitchFamily="34" charset="-120"/>
+              </a:rPr>
+              <a:t>自我介紹</a:t>
+            </a:r>
+            <a:endParaRPr lang="en-US" altLang="zh-TW" sz="5400" b="1" dirty="0">
+              <a:latin typeface="微軟正黑體" panose="020B0604030504040204" pitchFamily="34" charset="-120"/>
+              <a:ea typeface="微軟正黑體" panose="020B0604030504040204" pitchFamily="34" charset="-120"/>
+            </a:endParaRPr>
+          </a:p>
+          <a:p>
+            <a:pPr algn="l"/>
+            <a:r>
+              <a:rPr lang="en-US" altLang="zh-TW" sz="5400" b="1" dirty="0">
+                <a:latin typeface="微軟正黑體" panose="020B0604030504040204" pitchFamily="34" charset="-120"/>
+                <a:ea typeface="微軟正黑體" panose="020B0604030504040204" pitchFamily="34" charset="-120"/>
+              </a:rPr>
+              <a:t>(</a:t>
+            </a:r>
+            <a:r>
+              <a:rPr lang="en-US" altLang="zh-TW" sz="5400" b="1" dirty="0" err="1">
+                <a:latin typeface="微軟正黑體" panose="020B0604030504040204" pitchFamily="34" charset="-120"/>
+                <a:ea typeface="微軟正黑體" panose="020B0604030504040204" pitchFamily="34" charset="-120"/>
+              </a:rPr>
+              <a:t>nizima</a:t>
+            </a:r>
+            <a:r>
+              <a:rPr lang="en-US" altLang="zh-TW" sz="5400" b="1" dirty="0">
+                <a:latin typeface="微軟正黑體" panose="020B0604030504040204" pitchFamily="34" charset="-120"/>
+                <a:ea typeface="微軟正黑體" panose="020B0604030504040204" pitchFamily="34" charset="-120"/>
+              </a:rPr>
+              <a:t> live)</a:t>
+            </a:r>
+            <a:endParaRPr lang="zh-TW" altLang="en-US" sz="5400" b="1" dirty="0">
+              <a:latin typeface="微軟正黑體" panose="020B0604030504040204" pitchFamily="34" charset="-120"/>
+              <a:ea typeface="微軟正黑體" panose="020B0604030504040204" pitchFamily="34" charset="-120"/>
+            </a:endParaRPr>
           </a:p>
         </p:txBody>
       </p:sp>
     </p:spTree>
     <p:extLst>
       <p:ext uri="{BB962C8B-B14F-4D97-AF65-F5344CB8AC3E}">
-        <p14:creationId xmlns:p14="http://schemas.microsoft.com/office/powerpoint/2010/main" val="1328321055"/>
+        <p14:creationId xmlns:p14="http://schemas.microsoft.com/office/powerpoint/2010/main" val="1513794866"/>
       </p:ext>
     </p:extLst>
   </p:cSld>
   <p:clrMapOvr>
     <a:masterClrMapping/>
   </p:clrMapOvr>
+  <mc:AlternateContent xmlns:mc="http://schemas.openxmlformats.org/markup-compatibility/2006">
+    <mc:Choice xmlns:p159="http://schemas.microsoft.com/office/powerpoint/2015/09/main" Requires="p159">
+      <p:transition xmlns:p14="http://schemas.microsoft.com/office/powerpoint/2010/main" spd="slow" p14:dur="2000">
+        <p159:morph option="byObject"/>
+      </p:transition>
+    </mc:Choice>
+    <mc:Fallback>
+      <p:transition spd="slow">
+        <p:fade/>
+      </p:transition>
+    </mc:Fallback>
+  </mc:AlternateContent>
+</p:sld>
+</file>
+
+<file path=ppt/slides/slide2.xml><?xml version="1.0" encoding="utf-8"?>
+<p:sld xmlns:a="http://schemas.openxmlformats.org/drawingml/2006/main" xmlns:r="http://schemas.openxmlformats.org/officeDocument/2006/relationships" xmlns:p="http://schemas.openxmlformats.org/presentationml/2006/main">
+  <p:cSld>
+    <p:bg>
+      <p:bgPr>
+        <a:solidFill>
+          <a:schemeClr val="tx2">
+            <a:lumMod val="40000"/>
+            <a:lumOff val="60000"/>
+          </a:schemeClr>
+        </a:solidFill>
+        <a:effectLst/>
+      </p:bgPr>
+    </p:bg>
+    <p:spTree>
+      <p:nvGrpSpPr>
+        <p:cNvPr id="1" name=""/>
+        <p:cNvGrpSpPr/>
+        <p:nvPr/>
+      </p:nvGrpSpPr>
+      <p:grpSpPr>
+        <a:xfrm>
+          <a:off x="0" y="0"/>
+          <a:ext cx="0" cy="0"/>
+          <a:chOff x="0" y="0"/>
+          <a:chExt cx="0" cy="0"/>
+        </a:xfrm>
+      </p:grpSpPr>
+      <p:sp>
+        <p:nvSpPr>
+          <p:cNvPr id="2" name="標題 1">
+            <a:extLst>
+              <a:ext uri="{FF2B5EF4-FFF2-40B4-BE49-F238E27FC236}">
+                <a16:creationId xmlns:a16="http://schemas.microsoft.com/office/drawing/2014/main" id="{3C585D11-8B2F-4EA0-A4A2-662CD0AC02EA}"/>
+              </a:ext>
+            </a:extLst>
+          </p:cNvPr>
+          <p:cNvSpPr>
+            <a:spLocks noGrp="1"/>
+          </p:cNvSpPr>
+          <p:nvPr>
+            <p:ph type="title"/>
+          </p:nvPr>
+        </p:nvSpPr>
+        <p:spPr>
+          <a:xfrm>
+            <a:off x="838200" y="365125"/>
+            <a:ext cx="10184027" cy="771697"/>
+          </a:xfrm>
+        </p:spPr>
+        <p:txBody>
+          <a:bodyPr>
+            <a:normAutofit fontScale="90000"/>
+          </a:bodyPr>
+          <a:lstStyle/>
+          <a:p>
+            <a:pPr>
+              <a:spcBef>
+                <a:spcPts val="1000"/>
+              </a:spcBef>
+            </a:pPr>
+            <a:r>
+              <a:rPr lang="en-US" altLang="zh-TW" sz="5400" b="1" dirty="0">
+                <a:latin typeface="微軟正黑體" panose="020B0604030504040204" pitchFamily="34" charset="-120"/>
+                <a:ea typeface="微軟正黑體" panose="020B0604030504040204" pitchFamily="34" charset="-120"/>
+                <a:cs typeface="+mn-cs"/>
+              </a:rPr>
+              <a:t>1.</a:t>
+            </a:r>
+            <a:r>
+              <a:rPr lang="zh-TW" altLang="en-US" sz="5400" b="1" dirty="0">
+                <a:latin typeface="微軟正黑體" panose="020B0604030504040204" pitchFamily="34" charset="-120"/>
+                <a:ea typeface="微軟正黑體" panose="020B0604030504040204" pitchFamily="34" charset="-120"/>
+                <a:cs typeface="+mn-cs"/>
+              </a:rPr>
+              <a:t>目標</a:t>
+            </a:r>
+          </a:p>
+        </p:txBody>
+      </p:sp>
+      <p:pic>
+        <p:nvPicPr>
+          <p:cNvPr id="5" name="內容版面配置區 4">
+            <a:extLst>
+              <a:ext uri="{FF2B5EF4-FFF2-40B4-BE49-F238E27FC236}">
+                <a16:creationId xmlns:a16="http://schemas.microsoft.com/office/drawing/2014/main" id="{34827FDB-B983-466B-9C3C-0F90E783D10F}"/>
+              </a:ext>
+            </a:extLst>
+          </p:cNvPr>
+          <p:cNvPicPr>
+            <a:picLocks noGrp="1" noChangeAspect="1"/>
+          </p:cNvPicPr>
+          <p:nvPr>
+            <p:ph idx="1"/>
+          </p:nvPr>
+        </p:nvPicPr>
+        <p:blipFill>
+          <a:blip r:embed="rId2">
+            <a:extLst>
+              <a:ext uri="{28A0092B-C50C-407E-A947-70E740481C1C}">
+                <a14:useLocalDpi xmlns:a14="http://schemas.microsoft.com/office/drawing/2010/main" val="0"/>
+              </a:ext>
+            </a:extLst>
+          </a:blip>
+          <a:stretch>
+            <a:fillRect/>
+          </a:stretch>
+        </p:blipFill>
+        <p:spPr>
+          <a:xfrm>
+            <a:off x="342244" y="1253331"/>
+            <a:ext cx="4723399" cy="4723399"/>
+          </a:xfrm>
+        </p:spPr>
+      </p:pic>
+    </p:spTree>
+    <p:extLst>
+      <p:ext uri="{BB962C8B-B14F-4D97-AF65-F5344CB8AC3E}">
+        <p14:creationId xmlns:p14="http://schemas.microsoft.com/office/powerpoint/2010/main" val="1078261481"/>
+      </p:ext>
+    </p:extLst>
+  </p:cSld>
+  <p:clrMapOvr>
+    <a:masterClrMapping/>
+  </p:clrMapOvr>
+  <mc:AlternateContent xmlns:mc="http://schemas.openxmlformats.org/markup-compatibility/2006">
+    <mc:Choice xmlns:p159="http://schemas.microsoft.com/office/powerpoint/2015/09/main" Requires="p159">
+      <p:transition xmlns:p14="http://schemas.microsoft.com/office/powerpoint/2010/main" spd="slow" p14:dur="2000">
+        <p159:morph option="byObject"/>
+      </p:transition>
+    </mc:Choice>
+    <mc:Fallback>
+      <p:transition spd="slow">
+        <p:fade/>
+      </p:transition>
+    </mc:Fallback>
+  </mc:AlternateContent>
+</p:sld>
+</file>
+
+<file path=ppt/slides/slide3.xml><?xml version="1.0" encoding="utf-8"?>
+<p:sld xmlns:a="http://schemas.openxmlformats.org/drawingml/2006/main" xmlns:r="http://schemas.openxmlformats.org/officeDocument/2006/relationships" xmlns:p="http://schemas.openxmlformats.org/presentationml/2006/main">
+  <p:cSld>
+    <p:bg>
+      <p:bgPr>
+        <a:solidFill>
+          <a:schemeClr val="tx2">
+            <a:lumMod val="40000"/>
+            <a:lumOff val="60000"/>
+          </a:schemeClr>
+        </a:solidFill>
+        <a:effectLst/>
+      </p:bgPr>
+    </p:bg>
+    <p:spTree>
+      <p:nvGrpSpPr>
+        <p:cNvPr id="1" name=""/>
+        <p:cNvGrpSpPr/>
+        <p:nvPr/>
+      </p:nvGrpSpPr>
+      <p:grpSpPr>
+        <a:xfrm>
+          <a:off x="0" y="0"/>
+          <a:ext cx="0" cy="0"/>
+          <a:chOff x="0" y="0"/>
+          <a:chExt cx="0" cy="0"/>
+        </a:xfrm>
+      </p:grpSpPr>
+      <p:sp>
+        <p:nvSpPr>
+          <p:cNvPr id="2" name="標題 1">
+            <a:extLst>
+              <a:ext uri="{FF2B5EF4-FFF2-40B4-BE49-F238E27FC236}">
+                <a16:creationId xmlns:a16="http://schemas.microsoft.com/office/drawing/2014/main" id="{3C585D11-8B2F-4EA0-A4A2-662CD0AC02EA}"/>
+              </a:ext>
+            </a:extLst>
+          </p:cNvPr>
+          <p:cNvSpPr>
+            <a:spLocks noGrp="1"/>
+          </p:cNvSpPr>
+          <p:nvPr>
+            <p:ph type="title"/>
+          </p:nvPr>
+        </p:nvSpPr>
+        <p:spPr>
+          <a:xfrm>
+            <a:off x="838200" y="365125"/>
+            <a:ext cx="10184027" cy="771697"/>
+          </a:xfrm>
+        </p:spPr>
+        <p:txBody>
+          <a:bodyPr>
+            <a:normAutofit fontScale="90000"/>
+          </a:bodyPr>
+          <a:lstStyle/>
+          <a:p>
+            <a:pPr>
+              <a:spcBef>
+                <a:spcPts val="1000"/>
+              </a:spcBef>
+            </a:pPr>
+            <a:r>
+              <a:rPr lang="en-US" altLang="zh-TW" sz="5400" b="1" dirty="0">
+                <a:latin typeface="微軟正黑體" panose="020B0604030504040204" pitchFamily="34" charset="-120"/>
+                <a:ea typeface="微軟正黑體" panose="020B0604030504040204" pitchFamily="34" charset="-120"/>
+                <a:cs typeface="+mn-cs"/>
+              </a:rPr>
+              <a:t>2.</a:t>
+            </a:r>
+            <a:r>
+              <a:rPr lang="zh-TW" altLang="en-US" sz="5400" b="1" dirty="0">
+                <a:latin typeface="微軟正黑體" panose="020B0604030504040204" pitchFamily="34" charset="-120"/>
+                <a:ea typeface="微軟正黑體" panose="020B0604030504040204" pitchFamily="34" charset="-120"/>
+                <a:cs typeface="+mn-cs"/>
+              </a:rPr>
+              <a:t>阻礙</a:t>
+            </a:r>
+          </a:p>
+        </p:txBody>
+      </p:sp>
+      <p:pic>
+        <p:nvPicPr>
+          <p:cNvPr id="7" name="內容版面配置區 6">
+            <a:extLst>
+              <a:ext uri="{FF2B5EF4-FFF2-40B4-BE49-F238E27FC236}">
+                <a16:creationId xmlns:a16="http://schemas.microsoft.com/office/drawing/2014/main" id="{EA8C5748-6E2B-4B78-B629-E7D177B69E0D}"/>
+              </a:ext>
+            </a:extLst>
+          </p:cNvPr>
+          <p:cNvPicPr>
+            <a:picLocks noGrp="1" noChangeAspect="1"/>
+          </p:cNvPicPr>
+          <p:nvPr>
+            <p:ph idx="1"/>
+          </p:nvPr>
+        </p:nvPicPr>
+        <p:blipFill>
+          <a:blip r:embed="rId2">
+            <a:extLst>
+              <a:ext uri="{28A0092B-C50C-407E-A947-70E740481C1C}">
+                <a14:useLocalDpi xmlns:a14="http://schemas.microsoft.com/office/drawing/2010/main" val="0"/>
+              </a:ext>
+            </a:extLst>
+          </a:blip>
+          <a:stretch>
+            <a:fillRect/>
+          </a:stretch>
+        </p:blipFill>
+        <p:spPr>
+          <a:xfrm>
+            <a:off x="361586" y="1235675"/>
+            <a:ext cx="4695568" cy="4695568"/>
+          </a:xfrm>
+        </p:spPr>
+      </p:pic>
+    </p:spTree>
+    <p:extLst>
+      <p:ext uri="{BB962C8B-B14F-4D97-AF65-F5344CB8AC3E}">
+        <p14:creationId xmlns:p14="http://schemas.microsoft.com/office/powerpoint/2010/main" val="3180834482"/>
+      </p:ext>
+    </p:extLst>
+  </p:cSld>
+  <p:clrMapOvr>
+    <a:masterClrMapping/>
+  </p:clrMapOvr>
+  <mc:AlternateContent xmlns:mc="http://schemas.openxmlformats.org/markup-compatibility/2006">
+    <mc:Choice xmlns:p159="http://schemas.microsoft.com/office/powerpoint/2015/09/main" Requires="p159">
+      <p:transition xmlns:p14="http://schemas.microsoft.com/office/powerpoint/2010/main" spd="slow" p14:dur="2000">
+        <p159:morph option="byObject"/>
+      </p:transition>
+    </mc:Choice>
+    <mc:Fallback>
+      <p:transition spd="slow">
+        <p:fade/>
+      </p:transition>
+    </mc:Fallback>
+  </mc:AlternateContent>
+</p:sld>
+</file>
+
+<file path=ppt/slides/slide4.xml><?xml version="1.0" encoding="utf-8"?>
+<p:sld xmlns:a="http://schemas.openxmlformats.org/drawingml/2006/main" xmlns:r="http://schemas.openxmlformats.org/officeDocument/2006/relationships" xmlns:p="http://schemas.openxmlformats.org/presentationml/2006/main">
+  <p:cSld>
+    <p:bg>
+      <p:bgPr>
+        <a:solidFill>
+          <a:schemeClr val="tx2">
+            <a:lumMod val="40000"/>
+            <a:lumOff val="60000"/>
+          </a:schemeClr>
+        </a:solidFill>
+        <a:effectLst/>
+      </p:bgPr>
+    </p:bg>
+    <p:spTree>
+      <p:nvGrpSpPr>
+        <p:cNvPr id="1" name=""/>
+        <p:cNvGrpSpPr/>
+        <p:nvPr/>
+      </p:nvGrpSpPr>
+      <p:grpSpPr>
+        <a:xfrm>
+          <a:off x="0" y="0"/>
+          <a:ext cx="0" cy="0"/>
+          <a:chOff x="0" y="0"/>
+          <a:chExt cx="0" cy="0"/>
+        </a:xfrm>
+      </p:grpSpPr>
+      <p:sp>
+        <p:nvSpPr>
+          <p:cNvPr id="2" name="標題 1">
+            <a:extLst>
+              <a:ext uri="{FF2B5EF4-FFF2-40B4-BE49-F238E27FC236}">
+                <a16:creationId xmlns:a16="http://schemas.microsoft.com/office/drawing/2014/main" id="{3C585D11-8B2F-4EA0-A4A2-662CD0AC02EA}"/>
+              </a:ext>
+            </a:extLst>
+          </p:cNvPr>
+          <p:cNvSpPr>
+            <a:spLocks noGrp="1"/>
+          </p:cNvSpPr>
+          <p:nvPr>
+            <p:ph type="title"/>
+          </p:nvPr>
+        </p:nvSpPr>
+        <p:spPr>
+          <a:xfrm>
+            <a:off x="838200" y="365125"/>
+            <a:ext cx="10184027" cy="771697"/>
+          </a:xfrm>
+        </p:spPr>
+        <p:txBody>
+          <a:bodyPr>
+            <a:normAutofit fontScale="90000"/>
+          </a:bodyPr>
+          <a:lstStyle/>
+          <a:p>
+            <a:pPr>
+              <a:spcBef>
+                <a:spcPts val="1000"/>
+              </a:spcBef>
+            </a:pPr>
+            <a:r>
+              <a:rPr lang="en-US" altLang="zh-TW" sz="5400" b="1" dirty="0">
+                <a:latin typeface="微軟正黑體" panose="020B0604030504040204" pitchFamily="34" charset="-120"/>
+                <a:ea typeface="微軟正黑體" panose="020B0604030504040204" pitchFamily="34" charset="-120"/>
+                <a:cs typeface="+mn-cs"/>
+              </a:rPr>
+              <a:t>3.</a:t>
+            </a:r>
+            <a:r>
+              <a:rPr lang="zh-TW" altLang="en-US" sz="5400" b="1" dirty="0">
+                <a:latin typeface="微軟正黑體" panose="020B0604030504040204" pitchFamily="34" charset="-120"/>
+                <a:ea typeface="微軟正黑體" panose="020B0604030504040204" pitchFamily="34" charset="-120"/>
+                <a:cs typeface="+mn-cs"/>
+              </a:rPr>
+              <a:t>努力</a:t>
+            </a:r>
+          </a:p>
+        </p:txBody>
+      </p:sp>
+      <p:pic>
+        <p:nvPicPr>
+          <p:cNvPr id="6" name="內容版面配置區 5">
+            <a:extLst>
+              <a:ext uri="{FF2B5EF4-FFF2-40B4-BE49-F238E27FC236}">
+                <a16:creationId xmlns:a16="http://schemas.microsoft.com/office/drawing/2014/main" id="{6E7B7042-8CCB-43B2-ABE0-A6EEB3915C69}"/>
+              </a:ext>
+            </a:extLst>
+          </p:cNvPr>
+          <p:cNvPicPr>
+            <a:picLocks noGrp="1" noChangeAspect="1"/>
+          </p:cNvPicPr>
+          <p:nvPr>
+            <p:ph idx="1"/>
+          </p:nvPr>
+        </p:nvPicPr>
+        <p:blipFill>
+          <a:blip r:embed="rId2">
+            <a:extLst>
+              <a:ext uri="{28A0092B-C50C-407E-A947-70E740481C1C}">
+                <a14:useLocalDpi xmlns:a14="http://schemas.microsoft.com/office/drawing/2010/main" val="0"/>
+              </a:ext>
+            </a:extLst>
+          </a:blip>
+          <a:stretch>
+            <a:fillRect/>
+          </a:stretch>
+        </p:blipFill>
+        <p:spPr>
+          <a:xfrm>
+            <a:off x="393359" y="1319703"/>
+            <a:ext cx="4648904" cy="4648904"/>
+          </a:xfrm>
+        </p:spPr>
+      </p:pic>
+    </p:spTree>
+    <p:extLst>
+      <p:ext uri="{BB962C8B-B14F-4D97-AF65-F5344CB8AC3E}">
+        <p14:creationId xmlns:p14="http://schemas.microsoft.com/office/powerpoint/2010/main" val="3739434557"/>
+      </p:ext>
+    </p:extLst>
+  </p:cSld>
+  <p:clrMapOvr>
+    <a:masterClrMapping/>
+  </p:clrMapOvr>
+  <mc:AlternateContent xmlns:mc="http://schemas.openxmlformats.org/markup-compatibility/2006">
+    <mc:Choice xmlns:p159="http://schemas.microsoft.com/office/powerpoint/2015/09/main" Requires="p159">
+      <p:transition xmlns:p14="http://schemas.microsoft.com/office/powerpoint/2010/main" spd="slow" p14:dur="2000">
+        <p159:morph option="byObject"/>
+      </p:transition>
+    </mc:Choice>
+    <mc:Fallback>
+      <p:transition spd="slow">
+        <p:fade/>
+      </p:transition>
+    </mc:Fallback>
+  </mc:AlternateContent>
+</p:sld>
+</file>
+
+<file path=ppt/slides/slide5.xml><?xml version="1.0" encoding="utf-8"?>
+<p:sld xmlns:a="http://schemas.openxmlformats.org/drawingml/2006/main" xmlns:r="http://schemas.openxmlformats.org/officeDocument/2006/relationships" xmlns:p="http://schemas.openxmlformats.org/presentationml/2006/main">
+  <p:cSld>
+    <p:bg>
+      <p:bgPr>
+        <a:solidFill>
+          <a:schemeClr val="tx2">
+            <a:lumMod val="40000"/>
+            <a:lumOff val="60000"/>
+          </a:schemeClr>
+        </a:solidFill>
+        <a:effectLst/>
+      </p:bgPr>
+    </p:bg>
+    <p:spTree>
+      <p:nvGrpSpPr>
+        <p:cNvPr id="1" name=""/>
+        <p:cNvGrpSpPr/>
+        <p:nvPr/>
+      </p:nvGrpSpPr>
+      <p:grpSpPr>
+        <a:xfrm>
+          <a:off x="0" y="0"/>
+          <a:ext cx="0" cy="0"/>
+          <a:chOff x="0" y="0"/>
+          <a:chExt cx="0" cy="0"/>
+        </a:xfrm>
+      </p:grpSpPr>
+      <p:sp>
+        <p:nvSpPr>
+          <p:cNvPr id="2" name="標題 1">
+            <a:extLst>
+              <a:ext uri="{FF2B5EF4-FFF2-40B4-BE49-F238E27FC236}">
+                <a16:creationId xmlns:a16="http://schemas.microsoft.com/office/drawing/2014/main" id="{3C585D11-8B2F-4EA0-A4A2-662CD0AC02EA}"/>
+              </a:ext>
+            </a:extLst>
+          </p:cNvPr>
+          <p:cNvSpPr>
+            <a:spLocks noGrp="1"/>
+          </p:cNvSpPr>
+          <p:nvPr>
+            <p:ph type="title"/>
+          </p:nvPr>
+        </p:nvSpPr>
+        <p:spPr>
+          <a:xfrm>
+            <a:off x="838200" y="365125"/>
+            <a:ext cx="10184027" cy="771697"/>
+          </a:xfrm>
+        </p:spPr>
+        <p:txBody>
+          <a:bodyPr>
+            <a:normAutofit fontScale="90000"/>
+          </a:bodyPr>
+          <a:lstStyle/>
+          <a:p>
+            <a:pPr>
+              <a:spcBef>
+                <a:spcPts val="1000"/>
+              </a:spcBef>
+            </a:pPr>
+            <a:r>
+              <a:rPr lang="en-US" altLang="zh-TW" sz="5400" b="1" dirty="0">
+                <a:latin typeface="微軟正黑體" panose="020B0604030504040204" pitchFamily="34" charset="-120"/>
+                <a:ea typeface="微軟正黑體" panose="020B0604030504040204" pitchFamily="34" charset="-120"/>
+                <a:cs typeface="+mn-cs"/>
+              </a:rPr>
+              <a:t>4.</a:t>
+            </a:r>
+            <a:r>
+              <a:rPr lang="zh-TW" altLang="en-US" sz="5400" b="1" dirty="0">
+                <a:latin typeface="微軟正黑體" panose="020B0604030504040204" pitchFamily="34" charset="-120"/>
+                <a:ea typeface="微軟正黑體" panose="020B0604030504040204" pitchFamily="34" charset="-120"/>
+                <a:cs typeface="+mn-cs"/>
+              </a:rPr>
+              <a:t>結果</a:t>
+            </a:r>
+          </a:p>
+        </p:txBody>
+      </p:sp>
+      <p:pic>
+        <p:nvPicPr>
+          <p:cNvPr id="7" name="內容版面配置區 6">
+            <a:extLst>
+              <a:ext uri="{FF2B5EF4-FFF2-40B4-BE49-F238E27FC236}">
+                <a16:creationId xmlns:a16="http://schemas.microsoft.com/office/drawing/2014/main" id="{0D731272-4759-4C5B-8066-B3BFA114B9FF}"/>
+              </a:ext>
+            </a:extLst>
+          </p:cNvPr>
+          <p:cNvPicPr>
+            <a:picLocks noGrp="1" noChangeAspect="1"/>
+          </p:cNvPicPr>
+          <p:nvPr>
+            <p:ph idx="1"/>
+          </p:nvPr>
+        </p:nvPicPr>
+        <p:blipFill>
+          <a:blip r:embed="rId2">
+            <a:extLst>
+              <a:ext uri="{28A0092B-C50C-407E-A947-70E740481C1C}">
+                <a14:useLocalDpi xmlns:a14="http://schemas.microsoft.com/office/drawing/2010/main" val="0"/>
+              </a:ext>
+            </a:extLst>
+          </a:blip>
+          <a:stretch>
+            <a:fillRect/>
+          </a:stretch>
+        </p:blipFill>
+        <p:spPr>
+          <a:xfrm>
+            <a:off x="373567" y="1294895"/>
+            <a:ext cx="4773396" cy="4773396"/>
+          </a:xfrm>
+        </p:spPr>
+      </p:pic>
+    </p:spTree>
+    <p:extLst>
+      <p:ext uri="{BB962C8B-B14F-4D97-AF65-F5344CB8AC3E}">
+        <p14:creationId xmlns:p14="http://schemas.microsoft.com/office/powerpoint/2010/main" val="11286234"/>
+      </p:ext>
+    </p:extLst>
+  </p:cSld>
+  <p:clrMapOvr>
+    <a:masterClrMapping/>
+  </p:clrMapOvr>
+  <mc:AlternateContent xmlns:mc="http://schemas.openxmlformats.org/markup-compatibility/2006">
+    <mc:Choice xmlns:p159="http://schemas.microsoft.com/office/powerpoint/2015/09/main" Requires="p159">
+      <p:transition xmlns:p14="http://schemas.microsoft.com/office/powerpoint/2010/main" spd="slow" p14:dur="2000">
+        <p159:morph option="byObject"/>
+      </p:transition>
+    </mc:Choice>
+    <mc:Fallback>
+      <p:transition spd="slow">
+        <p:fade/>
+      </p:transition>
+    </mc:Fallback>
+  </mc:AlternateContent>
+</p:sld>
+</file>
+
+<file path=ppt/slides/slide6.xml><?xml version="1.0" encoding="utf-8"?>
+<p:sld xmlns:a="http://schemas.openxmlformats.org/drawingml/2006/main" xmlns:r="http://schemas.openxmlformats.org/officeDocument/2006/relationships" xmlns:p="http://schemas.openxmlformats.org/presentationml/2006/main">
+  <p:cSld>
+    <p:bg>
+      <p:bgPr>
+        <a:solidFill>
+          <a:schemeClr val="tx2">
+            <a:lumMod val="40000"/>
+            <a:lumOff val="60000"/>
+          </a:schemeClr>
+        </a:solidFill>
+        <a:effectLst/>
+      </p:bgPr>
+    </p:bg>
+    <p:spTree>
+      <p:nvGrpSpPr>
+        <p:cNvPr id="1" name=""/>
+        <p:cNvGrpSpPr/>
+        <p:nvPr/>
+      </p:nvGrpSpPr>
+      <p:grpSpPr>
+        <a:xfrm>
+          <a:off x="0" y="0"/>
+          <a:ext cx="0" cy="0"/>
+          <a:chOff x="0" y="0"/>
+          <a:chExt cx="0" cy="0"/>
+        </a:xfrm>
+      </p:grpSpPr>
+      <p:sp>
+        <p:nvSpPr>
+          <p:cNvPr id="2" name="標題 1">
+            <a:extLst>
+              <a:ext uri="{FF2B5EF4-FFF2-40B4-BE49-F238E27FC236}">
+                <a16:creationId xmlns:a16="http://schemas.microsoft.com/office/drawing/2014/main" id="{3C585D11-8B2F-4EA0-A4A2-662CD0AC02EA}"/>
+              </a:ext>
+            </a:extLst>
+          </p:cNvPr>
+          <p:cNvSpPr>
+            <a:spLocks noGrp="1"/>
+          </p:cNvSpPr>
+          <p:nvPr>
+            <p:ph type="title"/>
+          </p:nvPr>
+        </p:nvSpPr>
+        <p:spPr>
+          <a:xfrm>
+            <a:off x="838200" y="365125"/>
+            <a:ext cx="10184027" cy="771697"/>
+          </a:xfrm>
+        </p:spPr>
+        <p:txBody>
+          <a:bodyPr>
+            <a:normAutofit fontScale="90000"/>
+          </a:bodyPr>
+          <a:lstStyle/>
+          <a:p>
+            <a:pPr>
+              <a:spcBef>
+                <a:spcPts val="1000"/>
+              </a:spcBef>
+            </a:pPr>
+            <a:r>
+              <a:rPr lang="en-US" altLang="zh-TW" sz="5400" b="1" dirty="0">
+                <a:latin typeface="微軟正黑體" panose="020B0604030504040204" pitchFamily="34" charset="-120"/>
+                <a:ea typeface="微軟正黑體" panose="020B0604030504040204" pitchFamily="34" charset="-120"/>
+                <a:cs typeface="+mn-cs"/>
+              </a:rPr>
+              <a:t>5.</a:t>
+            </a:r>
+            <a:r>
+              <a:rPr lang="zh-TW" altLang="en-US" sz="5400" b="1" dirty="0">
+                <a:latin typeface="微軟正黑體" panose="020B0604030504040204" pitchFamily="34" charset="-120"/>
+                <a:ea typeface="微軟正黑體" panose="020B0604030504040204" pitchFamily="34" charset="-120"/>
+                <a:cs typeface="+mn-cs"/>
+              </a:rPr>
+              <a:t>意外</a:t>
+            </a:r>
+          </a:p>
+        </p:txBody>
+      </p:sp>
+      <p:pic>
+        <p:nvPicPr>
+          <p:cNvPr id="7" name="內容版面配置區 6">
+            <a:extLst>
+              <a:ext uri="{FF2B5EF4-FFF2-40B4-BE49-F238E27FC236}">
+                <a16:creationId xmlns:a16="http://schemas.microsoft.com/office/drawing/2014/main" id="{01138B32-45F5-46AE-89AE-8A830364AA68}"/>
+              </a:ext>
+            </a:extLst>
+          </p:cNvPr>
+          <p:cNvPicPr>
+            <a:picLocks noGrp="1" noChangeAspect="1"/>
+          </p:cNvPicPr>
+          <p:nvPr>
+            <p:ph idx="1"/>
+          </p:nvPr>
+        </p:nvPicPr>
+        <p:blipFill>
+          <a:blip r:embed="rId2">
+            <a:extLst>
+              <a:ext uri="{28A0092B-C50C-407E-A947-70E740481C1C}">
+                <a14:useLocalDpi xmlns:a14="http://schemas.microsoft.com/office/drawing/2010/main" val="0"/>
+              </a:ext>
+            </a:extLst>
+          </a:blip>
+          <a:stretch>
+            <a:fillRect/>
+          </a:stretch>
+        </p:blipFill>
+        <p:spPr>
+          <a:xfrm>
+            <a:off x="380296" y="1280515"/>
+            <a:ext cx="4636960" cy="4636960"/>
+          </a:xfrm>
+        </p:spPr>
+      </p:pic>
+    </p:spTree>
+    <p:extLst>
+      <p:ext uri="{BB962C8B-B14F-4D97-AF65-F5344CB8AC3E}">
+        <p14:creationId xmlns:p14="http://schemas.microsoft.com/office/powerpoint/2010/main" val="2845227361"/>
+      </p:ext>
+    </p:extLst>
+  </p:cSld>
+  <p:clrMapOvr>
+    <a:masterClrMapping/>
+  </p:clrMapOvr>
+  <mc:AlternateContent xmlns:mc="http://schemas.openxmlformats.org/markup-compatibility/2006">
+    <mc:Choice xmlns:p159="http://schemas.microsoft.com/office/powerpoint/2015/09/main" Requires="p159">
+      <p:transition xmlns:p14="http://schemas.microsoft.com/office/powerpoint/2010/main" spd="slow" p14:dur="2000">
+        <p159:morph option="byObject"/>
+      </p:transition>
+    </mc:Choice>
+    <mc:Fallback>
+      <p:transition spd="slow">
+        <p:fade/>
+      </p:transition>
+    </mc:Fallback>
+  </mc:AlternateContent>
+</p:sld>
+</file>
+
+<file path=ppt/slides/slide7.xml><?xml version="1.0" encoding="utf-8"?>
+<p:sld xmlns:a="http://schemas.openxmlformats.org/drawingml/2006/main" xmlns:r="http://schemas.openxmlformats.org/officeDocument/2006/relationships" xmlns:p="http://schemas.openxmlformats.org/presentationml/2006/main">
+  <p:cSld>
+    <p:bg>
+      <p:bgPr>
+        <a:solidFill>
+          <a:schemeClr val="tx2">
+            <a:lumMod val="40000"/>
+            <a:lumOff val="60000"/>
+          </a:schemeClr>
+        </a:solidFill>
+        <a:effectLst/>
+      </p:bgPr>
+    </p:bg>
+    <p:spTree>
+      <p:nvGrpSpPr>
+        <p:cNvPr id="1" name=""/>
+        <p:cNvGrpSpPr/>
+        <p:nvPr/>
+      </p:nvGrpSpPr>
+      <p:grpSpPr>
+        <a:xfrm>
+          <a:off x="0" y="0"/>
+          <a:ext cx="0" cy="0"/>
+          <a:chOff x="0" y="0"/>
+          <a:chExt cx="0" cy="0"/>
+        </a:xfrm>
+      </p:grpSpPr>
+      <p:sp>
+        <p:nvSpPr>
+          <p:cNvPr id="2" name="標題 1">
+            <a:extLst>
+              <a:ext uri="{FF2B5EF4-FFF2-40B4-BE49-F238E27FC236}">
+                <a16:creationId xmlns:a16="http://schemas.microsoft.com/office/drawing/2014/main" id="{3C585D11-8B2F-4EA0-A4A2-662CD0AC02EA}"/>
+              </a:ext>
+            </a:extLst>
+          </p:cNvPr>
+          <p:cNvSpPr>
+            <a:spLocks noGrp="1"/>
+          </p:cNvSpPr>
+          <p:nvPr>
+            <p:ph type="title"/>
+          </p:nvPr>
+        </p:nvSpPr>
+        <p:spPr>
+          <a:xfrm>
+            <a:off x="838200" y="365125"/>
+            <a:ext cx="10184027" cy="771697"/>
+          </a:xfrm>
+        </p:spPr>
+        <p:txBody>
+          <a:bodyPr>
+            <a:normAutofit fontScale="90000"/>
+          </a:bodyPr>
+          <a:lstStyle/>
+          <a:p>
+            <a:pPr>
+              <a:spcBef>
+                <a:spcPts val="1000"/>
+              </a:spcBef>
+            </a:pPr>
+            <a:r>
+              <a:rPr lang="en-US" altLang="zh-TW" sz="5400" b="1" dirty="0">
+                <a:latin typeface="微軟正黑體" panose="020B0604030504040204" pitchFamily="34" charset="-120"/>
+                <a:ea typeface="微軟正黑體" panose="020B0604030504040204" pitchFamily="34" charset="-120"/>
+                <a:cs typeface="+mn-cs"/>
+              </a:rPr>
+              <a:t>6.</a:t>
+            </a:r>
+            <a:r>
+              <a:rPr lang="zh-TW" altLang="en-US" sz="5400" b="1" dirty="0">
+                <a:latin typeface="微軟正黑體" panose="020B0604030504040204" pitchFamily="34" charset="-120"/>
+                <a:ea typeface="微軟正黑體" panose="020B0604030504040204" pitchFamily="34" charset="-120"/>
+                <a:cs typeface="+mn-cs"/>
+              </a:rPr>
+              <a:t>轉彎</a:t>
+            </a:r>
+          </a:p>
+        </p:txBody>
+      </p:sp>
+      <p:pic>
+        <p:nvPicPr>
+          <p:cNvPr id="7" name="內容版面配置區 6">
+            <a:extLst>
+              <a:ext uri="{FF2B5EF4-FFF2-40B4-BE49-F238E27FC236}">
+                <a16:creationId xmlns:a16="http://schemas.microsoft.com/office/drawing/2014/main" id="{8B157B34-42FB-40E5-AD78-EBA853CA385F}"/>
+              </a:ext>
+            </a:extLst>
+          </p:cNvPr>
+          <p:cNvPicPr>
+            <a:picLocks noGrp="1" noChangeAspect="1"/>
+          </p:cNvPicPr>
+          <p:nvPr>
+            <p:ph idx="1"/>
+          </p:nvPr>
+        </p:nvPicPr>
+        <p:blipFill>
+          <a:blip r:embed="rId2">
+            <a:extLst>
+              <a:ext uri="{28A0092B-C50C-407E-A947-70E740481C1C}">
+                <a14:useLocalDpi xmlns:a14="http://schemas.microsoft.com/office/drawing/2010/main" val="0"/>
+              </a:ext>
+            </a:extLst>
+          </a:blip>
+          <a:stretch>
+            <a:fillRect/>
+          </a:stretch>
+        </p:blipFill>
+        <p:spPr>
+          <a:xfrm>
+            <a:off x="432548" y="1276985"/>
+            <a:ext cx="4596652" cy="4596652"/>
+          </a:xfrm>
+        </p:spPr>
+      </p:pic>
+    </p:spTree>
+    <p:extLst>
+      <p:ext uri="{BB962C8B-B14F-4D97-AF65-F5344CB8AC3E}">
+        <p14:creationId xmlns:p14="http://schemas.microsoft.com/office/powerpoint/2010/main" val="2473560260"/>
+      </p:ext>
+    </p:extLst>
+  </p:cSld>
+  <p:clrMapOvr>
+    <a:masterClrMapping/>
+  </p:clrMapOvr>
+  <mc:AlternateContent xmlns:mc="http://schemas.openxmlformats.org/markup-compatibility/2006">
+    <mc:Choice xmlns:p159="http://schemas.microsoft.com/office/powerpoint/2015/09/main" Requires="p159">
+      <p:transition xmlns:p14="http://schemas.microsoft.com/office/powerpoint/2010/main" spd="slow" p14:dur="2000">
+        <p159:morph option="byObject"/>
+      </p:transition>
+    </mc:Choice>
+    <mc:Fallback>
+      <p:transition spd="slow">
+        <p:fade/>
+      </p:transition>
+    </mc:Fallback>
+  </mc:AlternateContent>
+</p:sld>
+</file>
+
+<file path=ppt/slides/slide8.xml><?xml version="1.0" encoding="utf-8"?>
+<p:sld xmlns:a="http://schemas.openxmlformats.org/drawingml/2006/main" xmlns:r="http://schemas.openxmlformats.org/officeDocument/2006/relationships" xmlns:p="http://schemas.openxmlformats.org/presentationml/2006/main">
+  <p:cSld>
+    <p:bg>
+      <p:bgPr>
+        <a:solidFill>
+          <a:schemeClr val="tx2">
+            <a:lumMod val="40000"/>
+            <a:lumOff val="60000"/>
+          </a:schemeClr>
+        </a:solidFill>
+        <a:effectLst/>
+      </p:bgPr>
+    </p:bg>
+    <p:spTree>
+      <p:nvGrpSpPr>
+        <p:cNvPr id="1" name=""/>
+        <p:cNvGrpSpPr/>
+        <p:nvPr/>
+      </p:nvGrpSpPr>
+      <p:grpSpPr>
+        <a:xfrm>
+          <a:off x="0" y="0"/>
+          <a:ext cx="0" cy="0"/>
+          <a:chOff x="0" y="0"/>
+          <a:chExt cx="0" cy="0"/>
+        </a:xfrm>
+      </p:grpSpPr>
+      <p:sp>
+        <p:nvSpPr>
+          <p:cNvPr id="2" name="標題 1">
+            <a:extLst>
+              <a:ext uri="{FF2B5EF4-FFF2-40B4-BE49-F238E27FC236}">
+                <a16:creationId xmlns:a16="http://schemas.microsoft.com/office/drawing/2014/main" id="{3C585D11-8B2F-4EA0-A4A2-662CD0AC02EA}"/>
+              </a:ext>
+            </a:extLst>
+          </p:cNvPr>
+          <p:cNvSpPr>
+            <a:spLocks noGrp="1"/>
+          </p:cNvSpPr>
+          <p:nvPr>
+            <p:ph type="title"/>
+          </p:nvPr>
+        </p:nvSpPr>
+        <p:spPr>
+          <a:xfrm>
+            <a:off x="838200" y="365125"/>
+            <a:ext cx="10184027" cy="771697"/>
+          </a:xfrm>
+        </p:spPr>
+        <p:txBody>
+          <a:bodyPr>
+            <a:normAutofit fontScale="90000"/>
+          </a:bodyPr>
+          <a:lstStyle/>
+          <a:p>
+            <a:pPr>
+              <a:spcBef>
+                <a:spcPts val="1000"/>
+              </a:spcBef>
+            </a:pPr>
+            <a:r>
+              <a:rPr lang="en-US" altLang="zh-TW" sz="5400" b="1" dirty="0">
+                <a:latin typeface="微軟正黑體" panose="020B0604030504040204" pitchFamily="34" charset="-120"/>
+                <a:ea typeface="微軟正黑體" panose="020B0604030504040204" pitchFamily="34" charset="-120"/>
+                <a:cs typeface="+mn-cs"/>
+              </a:rPr>
+              <a:t>7.</a:t>
+            </a:r>
+            <a:r>
+              <a:rPr lang="zh-TW" altLang="en-US" sz="5400" b="1" dirty="0">
+                <a:latin typeface="微軟正黑體" panose="020B0604030504040204" pitchFamily="34" charset="-120"/>
+                <a:ea typeface="微軟正黑體" panose="020B0604030504040204" pitchFamily="34" charset="-120"/>
+                <a:cs typeface="+mn-cs"/>
+              </a:rPr>
+              <a:t>結局</a:t>
+            </a:r>
+          </a:p>
+        </p:txBody>
+      </p:sp>
+      <p:pic>
+        <p:nvPicPr>
+          <p:cNvPr id="7" name="內容版面配置區 6">
+            <a:extLst>
+              <a:ext uri="{FF2B5EF4-FFF2-40B4-BE49-F238E27FC236}">
+                <a16:creationId xmlns:a16="http://schemas.microsoft.com/office/drawing/2014/main" id="{4A131C18-0BF9-4505-9EAB-570C837BA5EE}"/>
+              </a:ext>
+            </a:extLst>
+          </p:cNvPr>
+          <p:cNvPicPr>
+            <a:picLocks noGrp="1" noChangeAspect="1"/>
+          </p:cNvPicPr>
+          <p:nvPr>
+            <p:ph idx="1"/>
+          </p:nvPr>
+        </p:nvPicPr>
+        <p:blipFill>
+          <a:blip r:embed="rId2">
+            <a:extLst>
+              <a:ext uri="{28A0092B-C50C-407E-A947-70E740481C1C}">
+                <a14:useLocalDpi xmlns:a14="http://schemas.microsoft.com/office/drawing/2010/main" val="0"/>
+              </a:ext>
+            </a:extLst>
+          </a:blip>
+          <a:stretch>
+            <a:fillRect/>
+          </a:stretch>
+        </p:blipFill>
+        <p:spPr>
+          <a:xfrm>
+            <a:off x="458674" y="1253331"/>
+            <a:ext cx="4531338" cy="4531338"/>
+          </a:xfrm>
+        </p:spPr>
+      </p:pic>
+    </p:spTree>
+    <p:extLst>
+      <p:ext uri="{BB962C8B-B14F-4D97-AF65-F5344CB8AC3E}">
+        <p14:creationId xmlns:p14="http://schemas.microsoft.com/office/powerpoint/2010/main" val="3993210990"/>
+      </p:ext>
+    </p:extLst>
+  </p:cSld>
+  <p:clrMapOvr>
+    <a:masterClrMapping/>
+  </p:clrMapOvr>
+  <mc:AlternateContent xmlns:mc="http://schemas.openxmlformats.org/markup-compatibility/2006">
+    <mc:Choice xmlns:p159="http://schemas.microsoft.com/office/powerpoint/2015/09/main" Requires="p159">
+      <p:transition xmlns:p14="http://schemas.microsoft.com/office/powerpoint/2010/main" spd="slow" p14:dur="2000">
+        <p159:morph option="byObject"/>
+      </p:transition>
+    </mc:Choice>
+    <mc:Fallback>
+      <p:transition spd="slow">
+        <p:fade/>
+      </p:transition>
+    </mc:Fallback>
+  </mc:AlternateContent>
 </p:sld>
 </file>
 

--- a/hw01.pptx
+++ b/hw01.pptx
@@ -4,6 +4,9 @@
   <p:sldMasterIdLst>
     <p:sldMasterId id="2147483648" r:id="rId1"/>
   </p:sldMasterIdLst>
+  <p:notesMasterIdLst>
+    <p:notesMasterId r:id="rId10"/>
+  </p:notesMasterIdLst>
   <p:sldIdLst>
     <p:sldId id="256" r:id="rId2"/>
     <p:sldId id="257" r:id="rId3"/>
@@ -229,6 +232,1048 @@
 </p:cmLst>
 </file>
 
+<file path=ppt/notesMasters/notesMaster1.xml><?xml version="1.0" encoding="utf-8"?>
+<p:notesMaster xmlns:a="http://schemas.openxmlformats.org/drawingml/2006/main" xmlns:r="http://schemas.openxmlformats.org/officeDocument/2006/relationships" xmlns:p="http://schemas.openxmlformats.org/presentationml/2006/main">
+  <p:cSld>
+    <p:bg>
+      <p:bgRef idx="1001">
+        <a:schemeClr val="bg1"/>
+      </p:bgRef>
+    </p:bg>
+    <p:spTree>
+      <p:nvGrpSpPr>
+        <p:cNvPr id="1" name=""/>
+        <p:cNvGrpSpPr/>
+        <p:nvPr/>
+      </p:nvGrpSpPr>
+      <p:grpSpPr>
+        <a:xfrm>
+          <a:off x="0" y="0"/>
+          <a:ext cx="0" cy="0"/>
+          <a:chOff x="0" y="0"/>
+          <a:chExt cx="0" cy="0"/>
+        </a:xfrm>
+      </p:grpSpPr>
+      <p:sp>
+        <p:nvSpPr>
+          <p:cNvPr id="2" name="頁首版面配置區 1"/>
+          <p:cNvSpPr>
+            <a:spLocks noGrp="1"/>
+          </p:cNvSpPr>
+          <p:nvPr>
+            <p:ph type="hdr" sz="quarter"/>
+          </p:nvPr>
+        </p:nvSpPr>
+        <p:spPr>
+          <a:xfrm>
+            <a:off x="0" y="0"/>
+            <a:ext cx="2971800" cy="458788"/>
+          </a:xfrm>
+          <a:prstGeom prst="rect">
+            <a:avLst/>
+          </a:prstGeom>
+        </p:spPr>
+        <p:txBody>
+          <a:bodyPr vert="horz" lIns="91440" tIns="45720" rIns="91440" bIns="45720" rtlCol="0"/>
+          <a:lstStyle>
+            <a:lvl1pPr algn="l">
+              <a:defRPr sz="1200"/>
+            </a:lvl1pPr>
+          </a:lstStyle>
+          <a:p>
+            <a:endParaRPr lang="zh-TW" altLang="en-US"/>
+          </a:p>
+        </p:txBody>
+      </p:sp>
+      <p:sp>
+        <p:nvSpPr>
+          <p:cNvPr id="3" name="日期版面配置區 2"/>
+          <p:cNvSpPr>
+            <a:spLocks noGrp="1"/>
+          </p:cNvSpPr>
+          <p:nvPr>
+            <p:ph type="dt" idx="1"/>
+          </p:nvPr>
+        </p:nvSpPr>
+        <p:spPr>
+          <a:xfrm>
+            <a:off x="3884613" y="0"/>
+            <a:ext cx="2971800" cy="458788"/>
+          </a:xfrm>
+          <a:prstGeom prst="rect">
+            <a:avLst/>
+          </a:prstGeom>
+        </p:spPr>
+        <p:txBody>
+          <a:bodyPr vert="horz" lIns="91440" tIns="45720" rIns="91440" bIns="45720" rtlCol="0"/>
+          <a:lstStyle>
+            <a:lvl1pPr algn="r">
+              <a:defRPr sz="1200"/>
+            </a:lvl1pPr>
+          </a:lstStyle>
+          <a:p>
+            <a:fld id="{818464C0-7656-4F6E-9280-3994E6B9CF44}" type="datetimeFigureOut">
+              <a:rPr lang="zh-TW" altLang="en-US" smtClean="0"/>
+              <a:t>2024/10/23</a:t>
+            </a:fld>
+            <a:endParaRPr lang="zh-TW" altLang="en-US"/>
+          </a:p>
+        </p:txBody>
+      </p:sp>
+      <p:sp>
+        <p:nvSpPr>
+          <p:cNvPr id="4" name="投影片影像版面配置區 3"/>
+          <p:cNvSpPr>
+            <a:spLocks noGrp="1" noRot="1" noChangeAspect="1"/>
+          </p:cNvSpPr>
+          <p:nvPr>
+            <p:ph type="sldImg" idx="2"/>
+          </p:nvPr>
+        </p:nvSpPr>
+        <p:spPr>
+          <a:xfrm>
+            <a:off x="685800" y="1143000"/>
+            <a:ext cx="5486400" cy="3086100"/>
+          </a:xfrm>
+          <a:prstGeom prst="rect">
+            <a:avLst/>
+          </a:prstGeom>
+          <a:noFill/>
+          <a:ln w="12700">
+            <a:solidFill>
+              <a:prstClr val="black"/>
+            </a:solidFill>
+          </a:ln>
+        </p:spPr>
+        <p:txBody>
+          <a:bodyPr vert="horz" lIns="91440" tIns="45720" rIns="91440" bIns="45720" rtlCol="0" anchor="ctr"/>
+          <a:lstStyle/>
+          <a:p>
+            <a:endParaRPr lang="zh-TW" altLang="en-US"/>
+          </a:p>
+        </p:txBody>
+      </p:sp>
+      <p:sp>
+        <p:nvSpPr>
+          <p:cNvPr id="5" name="備忘稿版面配置區 4"/>
+          <p:cNvSpPr>
+            <a:spLocks noGrp="1"/>
+          </p:cNvSpPr>
+          <p:nvPr>
+            <p:ph type="body" sz="quarter" idx="3"/>
+          </p:nvPr>
+        </p:nvSpPr>
+        <p:spPr>
+          <a:xfrm>
+            <a:off x="685800" y="4400550"/>
+            <a:ext cx="5486400" cy="3600450"/>
+          </a:xfrm>
+          <a:prstGeom prst="rect">
+            <a:avLst/>
+          </a:prstGeom>
+        </p:spPr>
+        <p:txBody>
+          <a:bodyPr vert="horz" lIns="91440" tIns="45720" rIns="91440" bIns="45720" rtlCol="0"/>
+          <a:lstStyle/>
+          <a:p>
+            <a:pPr lvl="0"/>
+            <a:r>
+              <a:rPr lang="zh-TW" altLang="en-US"/>
+              <a:t>按一下以編輯母片文字樣式</a:t>
+            </a:r>
+          </a:p>
+          <a:p>
+            <a:pPr lvl="1"/>
+            <a:r>
+              <a:rPr lang="zh-TW" altLang="en-US"/>
+              <a:t>第二層</a:t>
+            </a:r>
+          </a:p>
+          <a:p>
+            <a:pPr lvl="2"/>
+            <a:r>
+              <a:rPr lang="zh-TW" altLang="en-US"/>
+              <a:t>第三層</a:t>
+            </a:r>
+          </a:p>
+          <a:p>
+            <a:pPr lvl="3"/>
+            <a:r>
+              <a:rPr lang="zh-TW" altLang="en-US"/>
+              <a:t>第四層</a:t>
+            </a:r>
+          </a:p>
+          <a:p>
+            <a:pPr lvl="4"/>
+            <a:r>
+              <a:rPr lang="zh-TW" altLang="en-US"/>
+              <a:t>第五層</a:t>
+            </a:r>
+          </a:p>
+        </p:txBody>
+      </p:sp>
+      <p:sp>
+        <p:nvSpPr>
+          <p:cNvPr id="6" name="頁尾版面配置區 5"/>
+          <p:cNvSpPr>
+            <a:spLocks noGrp="1"/>
+          </p:cNvSpPr>
+          <p:nvPr>
+            <p:ph type="ftr" sz="quarter" idx="4"/>
+          </p:nvPr>
+        </p:nvSpPr>
+        <p:spPr>
+          <a:xfrm>
+            <a:off x="0" y="8685213"/>
+            <a:ext cx="2971800" cy="458787"/>
+          </a:xfrm>
+          <a:prstGeom prst="rect">
+            <a:avLst/>
+          </a:prstGeom>
+        </p:spPr>
+        <p:txBody>
+          <a:bodyPr vert="horz" lIns="91440" tIns="45720" rIns="91440" bIns="45720" rtlCol="0" anchor="b"/>
+          <a:lstStyle>
+            <a:lvl1pPr algn="l">
+              <a:defRPr sz="1200"/>
+            </a:lvl1pPr>
+          </a:lstStyle>
+          <a:p>
+            <a:endParaRPr lang="zh-TW" altLang="en-US"/>
+          </a:p>
+        </p:txBody>
+      </p:sp>
+      <p:sp>
+        <p:nvSpPr>
+          <p:cNvPr id="7" name="投影片編號版面配置區 6"/>
+          <p:cNvSpPr>
+            <a:spLocks noGrp="1"/>
+          </p:cNvSpPr>
+          <p:nvPr>
+            <p:ph type="sldNum" sz="quarter" idx="5"/>
+          </p:nvPr>
+        </p:nvSpPr>
+        <p:spPr>
+          <a:xfrm>
+            <a:off x="3884613" y="8685213"/>
+            <a:ext cx="2971800" cy="458787"/>
+          </a:xfrm>
+          <a:prstGeom prst="rect">
+            <a:avLst/>
+          </a:prstGeom>
+        </p:spPr>
+        <p:txBody>
+          <a:bodyPr vert="horz" lIns="91440" tIns="45720" rIns="91440" bIns="45720" rtlCol="0" anchor="b"/>
+          <a:lstStyle>
+            <a:lvl1pPr algn="r">
+              <a:defRPr sz="1200"/>
+            </a:lvl1pPr>
+          </a:lstStyle>
+          <a:p>
+            <a:fld id="{0525B4B5-B3D8-4B39-9D20-3F5602C36636}" type="slidenum">
+              <a:rPr lang="zh-TW" altLang="en-US" smtClean="0"/>
+              <a:t>‹#›</a:t>
+            </a:fld>
+            <a:endParaRPr lang="zh-TW" altLang="en-US"/>
+          </a:p>
+        </p:txBody>
+      </p:sp>
+    </p:spTree>
+    <p:extLst>
+      <p:ext uri="{BB962C8B-B14F-4D97-AF65-F5344CB8AC3E}">
+        <p14:creationId xmlns:p14="http://schemas.microsoft.com/office/powerpoint/2010/main" val="2957244915"/>
+      </p:ext>
+    </p:extLst>
+  </p:cSld>
+  <p:clrMap bg1="lt1" tx1="dk1" bg2="lt2" tx2="dk2" accent1="accent1" accent2="accent2" accent3="accent3" accent4="accent4" accent5="accent5" accent6="accent6" hlink="hlink" folHlink="folHlink"/>
+  <p:notesStyle>
+    <a:lvl1pPr marL="0" algn="l" defTabSz="914400" rtl="0" eaLnBrk="1" latinLnBrk="0" hangingPunct="1">
+      <a:defRPr sz="1200" kern="1200">
+        <a:solidFill>
+          <a:schemeClr val="tx1"/>
+        </a:solidFill>
+        <a:latin typeface="+mn-lt"/>
+        <a:ea typeface="+mn-ea"/>
+        <a:cs typeface="+mn-cs"/>
+      </a:defRPr>
+    </a:lvl1pPr>
+    <a:lvl2pPr marL="457200" algn="l" defTabSz="914400" rtl="0" eaLnBrk="1" latinLnBrk="0" hangingPunct="1">
+      <a:defRPr sz="1200" kern="1200">
+        <a:solidFill>
+          <a:schemeClr val="tx1"/>
+        </a:solidFill>
+        <a:latin typeface="+mn-lt"/>
+        <a:ea typeface="+mn-ea"/>
+        <a:cs typeface="+mn-cs"/>
+      </a:defRPr>
+    </a:lvl2pPr>
+    <a:lvl3pPr marL="914400" algn="l" defTabSz="914400" rtl="0" eaLnBrk="1" latinLnBrk="0" hangingPunct="1">
+      <a:defRPr sz="1200" kern="1200">
+        <a:solidFill>
+          <a:schemeClr val="tx1"/>
+        </a:solidFill>
+        <a:latin typeface="+mn-lt"/>
+        <a:ea typeface="+mn-ea"/>
+        <a:cs typeface="+mn-cs"/>
+      </a:defRPr>
+    </a:lvl3pPr>
+    <a:lvl4pPr marL="1371600" algn="l" defTabSz="914400" rtl="0" eaLnBrk="1" latinLnBrk="0" hangingPunct="1">
+      <a:defRPr sz="1200" kern="1200">
+        <a:solidFill>
+          <a:schemeClr val="tx1"/>
+        </a:solidFill>
+        <a:latin typeface="+mn-lt"/>
+        <a:ea typeface="+mn-ea"/>
+        <a:cs typeface="+mn-cs"/>
+      </a:defRPr>
+    </a:lvl4pPr>
+    <a:lvl5pPr marL="1828800" algn="l" defTabSz="914400" rtl="0" eaLnBrk="1" latinLnBrk="0" hangingPunct="1">
+      <a:defRPr sz="1200" kern="1200">
+        <a:solidFill>
+          <a:schemeClr val="tx1"/>
+        </a:solidFill>
+        <a:latin typeface="+mn-lt"/>
+        <a:ea typeface="+mn-ea"/>
+        <a:cs typeface="+mn-cs"/>
+      </a:defRPr>
+    </a:lvl5pPr>
+    <a:lvl6pPr marL="2286000" algn="l" defTabSz="914400" rtl="0" eaLnBrk="1" latinLnBrk="0" hangingPunct="1">
+      <a:defRPr sz="1200" kern="1200">
+        <a:solidFill>
+          <a:schemeClr val="tx1"/>
+        </a:solidFill>
+        <a:latin typeface="+mn-lt"/>
+        <a:ea typeface="+mn-ea"/>
+        <a:cs typeface="+mn-cs"/>
+      </a:defRPr>
+    </a:lvl6pPr>
+    <a:lvl7pPr marL="2743200" algn="l" defTabSz="914400" rtl="0" eaLnBrk="1" latinLnBrk="0" hangingPunct="1">
+      <a:defRPr sz="1200" kern="1200">
+        <a:solidFill>
+          <a:schemeClr val="tx1"/>
+        </a:solidFill>
+        <a:latin typeface="+mn-lt"/>
+        <a:ea typeface="+mn-ea"/>
+        <a:cs typeface="+mn-cs"/>
+      </a:defRPr>
+    </a:lvl7pPr>
+    <a:lvl8pPr marL="3200400" algn="l" defTabSz="914400" rtl="0" eaLnBrk="1" latinLnBrk="0" hangingPunct="1">
+      <a:defRPr sz="1200" kern="1200">
+        <a:solidFill>
+          <a:schemeClr val="tx1"/>
+        </a:solidFill>
+        <a:latin typeface="+mn-lt"/>
+        <a:ea typeface="+mn-ea"/>
+        <a:cs typeface="+mn-cs"/>
+      </a:defRPr>
+    </a:lvl8pPr>
+    <a:lvl9pPr marL="3657600" algn="l" defTabSz="914400" rtl="0" eaLnBrk="1" latinLnBrk="0" hangingPunct="1">
+      <a:defRPr sz="1200" kern="1200">
+        <a:solidFill>
+          <a:schemeClr val="tx1"/>
+        </a:solidFill>
+        <a:latin typeface="+mn-lt"/>
+        <a:ea typeface="+mn-ea"/>
+        <a:cs typeface="+mn-cs"/>
+      </a:defRPr>
+    </a:lvl9pPr>
+  </p:notesStyle>
+</p:notesMaster>
+</file>
+
+<file path=ppt/notesSlides/notesSlide1.xml><?xml version="1.0" encoding="utf-8"?>
+<p:notes xmlns:a="http://schemas.openxmlformats.org/drawingml/2006/main" xmlns:r="http://schemas.openxmlformats.org/officeDocument/2006/relationships" xmlns:p="http://schemas.openxmlformats.org/presentationml/2006/main">
+  <p:cSld>
+    <p:spTree>
+      <p:nvGrpSpPr>
+        <p:cNvPr id="1" name=""/>
+        <p:cNvGrpSpPr/>
+        <p:nvPr/>
+      </p:nvGrpSpPr>
+      <p:grpSpPr>
+        <a:xfrm>
+          <a:off x="0" y="0"/>
+          <a:ext cx="0" cy="0"/>
+          <a:chOff x="0" y="0"/>
+          <a:chExt cx="0" cy="0"/>
+        </a:xfrm>
+      </p:grpSpPr>
+      <p:sp>
+        <p:nvSpPr>
+          <p:cNvPr id="2" name="投影片影像版面配置區 1"/>
+          <p:cNvSpPr>
+            <a:spLocks noGrp="1" noRot="1" noChangeAspect="1"/>
+          </p:cNvSpPr>
+          <p:nvPr>
+            <p:ph type="sldImg"/>
+          </p:nvPr>
+        </p:nvSpPr>
+        <p:spPr/>
+      </p:sp>
+      <p:sp>
+        <p:nvSpPr>
+          <p:cNvPr id="3" name="備忘稿版面配置區 2"/>
+          <p:cNvSpPr>
+            <a:spLocks noGrp="1"/>
+          </p:cNvSpPr>
+          <p:nvPr>
+            <p:ph type="body" idx="1"/>
+          </p:nvPr>
+        </p:nvSpPr>
+        <p:spPr/>
+        <p:txBody>
+          <a:bodyPr/>
+          <a:lstStyle/>
+          <a:p>
+            <a:r>
+              <a:rPr lang="zh-TW" altLang="en-US" dirty="0"/>
+              <a:t>日本動漫風格的高中生男學生，藍黑色</a:t>
+            </a:r>
+            <a:r>
+              <a:rPr lang="en-US" altLang="zh-TW" dirty="0"/>
+              <a:t>M</a:t>
+            </a:r>
+            <a:r>
+              <a:rPr lang="zh-TW" altLang="en-US" dirty="0"/>
+              <a:t>字瀏海，紅眼睛，穿著白色襯衫，給人狡猾的感覺，背景為學校教室，正臉。</a:t>
+            </a:r>
+            <a:endParaRPr lang="en-US" altLang="zh-TW" dirty="0"/>
+          </a:p>
+          <a:p>
+            <a:endParaRPr lang="zh-TW" altLang="en-US" dirty="0"/>
+          </a:p>
+        </p:txBody>
+      </p:sp>
+      <p:sp>
+        <p:nvSpPr>
+          <p:cNvPr id="4" name="投影片編號版面配置區 3"/>
+          <p:cNvSpPr>
+            <a:spLocks noGrp="1"/>
+          </p:cNvSpPr>
+          <p:nvPr>
+            <p:ph type="sldNum" sz="quarter" idx="5"/>
+          </p:nvPr>
+        </p:nvSpPr>
+        <p:spPr/>
+        <p:txBody>
+          <a:bodyPr/>
+          <a:lstStyle/>
+          <a:p>
+            <a:fld id="{0525B4B5-B3D8-4B39-9D20-3F5602C36636}" type="slidenum">
+              <a:rPr lang="zh-TW" altLang="en-US" smtClean="0"/>
+              <a:t>2</a:t>
+            </a:fld>
+            <a:endParaRPr lang="zh-TW" altLang="en-US"/>
+          </a:p>
+        </p:txBody>
+      </p:sp>
+    </p:spTree>
+    <p:extLst>
+      <p:ext uri="{BB962C8B-B14F-4D97-AF65-F5344CB8AC3E}">
+        <p14:creationId xmlns:p14="http://schemas.microsoft.com/office/powerpoint/2010/main" val="3143240309"/>
+      </p:ext>
+    </p:extLst>
+  </p:cSld>
+  <p:clrMapOvr>
+    <a:masterClrMapping/>
+  </p:clrMapOvr>
+</p:notes>
+</file>
+
+<file path=ppt/notesSlides/notesSlide2.xml><?xml version="1.0" encoding="utf-8"?>
+<p:notes xmlns:a="http://schemas.openxmlformats.org/drawingml/2006/main" xmlns:r="http://schemas.openxmlformats.org/officeDocument/2006/relationships" xmlns:p="http://schemas.openxmlformats.org/presentationml/2006/main">
+  <p:cSld>
+    <p:spTree>
+      <p:nvGrpSpPr>
+        <p:cNvPr id="1" name=""/>
+        <p:cNvGrpSpPr/>
+        <p:nvPr/>
+      </p:nvGrpSpPr>
+      <p:grpSpPr>
+        <a:xfrm>
+          <a:off x="0" y="0"/>
+          <a:ext cx="0" cy="0"/>
+          <a:chOff x="0" y="0"/>
+          <a:chExt cx="0" cy="0"/>
+        </a:xfrm>
+      </p:grpSpPr>
+      <p:sp>
+        <p:nvSpPr>
+          <p:cNvPr id="2" name="投影片影像版面配置區 1"/>
+          <p:cNvSpPr>
+            <a:spLocks noGrp="1" noRot="1" noChangeAspect="1"/>
+          </p:cNvSpPr>
+          <p:nvPr>
+            <p:ph type="sldImg"/>
+          </p:nvPr>
+        </p:nvSpPr>
+        <p:spPr/>
+      </p:sp>
+      <p:sp>
+        <p:nvSpPr>
+          <p:cNvPr id="3" name="備忘稿版面配置區 2"/>
+          <p:cNvSpPr>
+            <a:spLocks noGrp="1"/>
+          </p:cNvSpPr>
+          <p:nvPr>
+            <p:ph type="body" idx="1"/>
+          </p:nvPr>
+        </p:nvSpPr>
+        <p:spPr/>
+        <p:txBody>
+          <a:bodyPr/>
+          <a:lstStyle/>
+          <a:p>
+            <a:r>
+              <a:rPr lang="zh-TW" altLang="en-US" dirty="0"/>
+              <a:t>日本動漫風格的高中生男學生，藍黑色</a:t>
+            </a:r>
+            <a:r>
+              <a:rPr lang="en-US" altLang="zh-TW" dirty="0"/>
+              <a:t>M</a:t>
+            </a:r>
+            <a:r>
+              <a:rPr lang="zh-TW" altLang="en-US" dirty="0"/>
+              <a:t>字瀏海，紅眼睛，穿著白色襯衫，給人狡猾的感覺，在籃球場上， 正臉，流汗，很失望的感覺</a:t>
+            </a:r>
+            <a:endParaRPr lang="en-US" altLang="zh-TW" dirty="0"/>
+          </a:p>
+          <a:p>
+            <a:endParaRPr lang="zh-TW" altLang="en-US" dirty="0"/>
+          </a:p>
+        </p:txBody>
+      </p:sp>
+      <p:sp>
+        <p:nvSpPr>
+          <p:cNvPr id="4" name="投影片編號版面配置區 3"/>
+          <p:cNvSpPr>
+            <a:spLocks noGrp="1"/>
+          </p:cNvSpPr>
+          <p:nvPr>
+            <p:ph type="sldNum" sz="quarter" idx="5"/>
+          </p:nvPr>
+        </p:nvSpPr>
+        <p:spPr/>
+        <p:txBody>
+          <a:bodyPr/>
+          <a:lstStyle/>
+          <a:p>
+            <a:fld id="{0525B4B5-B3D8-4B39-9D20-3F5602C36636}" type="slidenum">
+              <a:rPr lang="zh-TW" altLang="en-US" smtClean="0"/>
+              <a:t>3</a:t>
+            </a:fld>
+            <a:endParaRPr lang="zh-TW" altLang="en-US"/>
+          </a:p>
+        </p:txBody>
+      </p:sp>
+    </p:spTree>
+    <p:extLst>
+      <p:ext uri="{BB962C8B-B14F-4D97-AF65-F5344CB8AC3E}">
+        <p14:creationId xmlns:p14="http://schemas.microsoft.com/office/powerpoint/2010/main" val="1867484544"/>
+      </p:ext>
+    </p:extLst>
+  </p:cSld>
+  <p:clrMapOvr>
+    <a:masterClrMapping/>
+  </p:clrMapOvr>
+</p:notes>
+</file>
+
+<file path=ppt/notesSlides/notesSlide3.xml><?xml version="1.0" encoding="utf-8"?>
+<p:notes xmlns:a="http://schemas.openxmlformats.org/drawingml/2006/main" xmlns:r="http://schemas.openxmlformats.org/officeDocument/2006/relationships" xmlns:p="http://schemas.openxmlformats.org/presentationml/2006/main">
+  <p:cSld>
+    <p:spTree>
+      <p:nvGrpSpPr>
+        <p:cNvPr id="1" name=""/>
+        <p:cNvGrpSpPr/>
+        <p:nvPr/>
+      </p:nvGrpSpPr>
+      <p:grpSpPr>
+        <a:xfrm>
+          <a:off x="0" y="0"/>
+          <a:ext cx="0" cy="0"/>
+          <a:chOff x="0" y="0"/>
+          <a:chExt cx="0" cy="0"/>
+        </a:xfrm>
+      </p:grpSpPr>
+      <p:sp>
+        <p:nvSpPr>
+          <p:cNvPr id="2" name="投影片影像版面配置區 1"/>
+          <p:cNvSpPr>
+            <a:spLocks noGrp="1" noRot="1" noChangeAspect="1"/>
+          </p:cNvSpPr>
+          <p:nvPr>
+            <p:ph type="sldImg"/>
+          </p:nvPr>
+        </p:nvSpPr>
+        <p:spPr/>
+      </p:sp>
+      <p:sp>
+        <p:nvSpPr>
+          <p:cNvPr id="3" name="備忘稿版面配置區 2"/>
+          <p:cNvSpPr>
+            <a:spLocks noGrp="1"/>
+          </p:cNvSpPr>
+          <p:nvPr>
+            <p:ph type="body" idx="1"/>
+          </p:nvPr>
+        </p:nvSpPr>
+        <p:spPr/>
+        <p:txBody>
+          <a:bodyPr/>
+          <a:lstStyle/>
+          <a:p>
+            <a:r>
+              <a:rPr lang="zh-TW" altLang="en-US" dirty="0"/>
+              <a:t>日本動漫風格的高中生男學生，紅色眼睛，藍黑色</a:t>
+            </a:r>
+            <a:r>
+              <a:rPr lang="en-US" altLang="zh-TW" dirty="0"/>
+              <a:t>M</a:t>
+            </a:r>
+            <a:r>
+              <a:rPr lang="zh-TW" altLang="en-US" dirty="0"/>
+              <a:t>字瀏海，穿著白色襯衫，給人狡猾的感覺，在籃球場上，正臉，流汗，投籃，一個人</a:t>
+            </a:r>
+            <a:endParaRPr lang="en-US" altLang="zh-TW" dirty="0"/>
+          </a:p>
+          <a:p>
+            <a:endParaRPr lang="zh-TW" altLang="en-US" dirty="0"/>
+          </a:p>
+        </p:txBody>
+      </p:sp>
+      <p:sp>
+        <p:nvSpPr>
+          <p:cNvPr id="4" name="投影片編號版面配置區 3"/>
+          <p:cNvSpPr>
+            <a:spLocks noGrp="1"/>
+          </p:cNvSpPr>
+          <p:nvPr>
+            <p:ph type="sldNum" sz="quarter" idx="5"/>
+          </p:nvPr>
+        </p:nvSpPr>
+        <p:spPr/>
+        <p:txBody>
+          <a:bodyPr/>
+          <a:lstStyle/>
+          <a:p>
+            <a:fld id="{0525B4B5-B3D8-4B39-9D20-3F5602C36636}" type="slidenum">
+              <a:rPr lang="zh-TW" altLang="en-US" smtClean="0"/>
+              <a:t>4</a:t>
+            </a:fld>
+            <a:endParaRPr lang="zh-TW" altLang="en-US"/>
+          </a:p>
+        </p:txBody>
+      </p:sp>
+    </p:spTree>
+    <p:extLst>
+      <p:ext uri="{BB962C8B-B14F-4D97-AF65-F5344CB8AC3E}">
+        <p14:creationId xmlns:p14="http://schemas.microsoft.com/office/powerpoint/2010/main" val="1393407505"/>
+      </p:ext>
+    </p:extLst>
+  </p:cSld>
+  <p:clrMapOvr>
+    <a:masterClrMapping/>
+  </p:clrMapOvr>
+</p:notes>
+</file>
+
+<file path=ppt/notesSlides/notesSlide4.xml><?xml version="1.0" encoding="utf-8"?>
+<p:notes xmlns:a="http://schemas.openxmlformats.org/drawingml/2006/main" xmlns:r="http://schemas.openxmlformats.org/officeDocument/2006/relationships" xmlns:p="http://schemas.openxmlformats.org/presentationml/2006/main">
+  <p:cSld>
+    <p:spTree>
+      <p:nvGrpSpPr>
+        <p:cNvPr id="1" name=""/>
+        <p:cNvGrpSpPr/>
+        <p:nvPr/>
+      </p:nvGrpSpPr>
+      <p:grpSpPr>
+        <a:xfrm>
+          <a:off x="0" y="0"/>
+          <a:ext cx="0" cy="0"/>
+          <a:chOff x="0" y="0"/>
+          <a:chExt cx="0" cy="0"/>
+        </a:xfrm>
+      </p:grpSpPr>
+      <p:sp>
+        <p:nvSpPr>
+          <p:cNvPr id="2" name="投影片影像版面配置區 1"/>
+          <p:cNvSpPr>
+            <a:spLocks noGrp="1" noRot="1" noChangeAspect="1"/>
+          </p:cNvSpPr>
+          <p:nvPr>
+            <p:ph type="sldImg"/>
+          </p:nvPr>
+        </p:nvSpPr>
+        <p:spPr/>
+      </p:sp>
+      <p:sp>
+        <p:nvSpPr>
+          <p:cNvPr id="3" name="備忘稿版面配置區 2"/>
+          <p:cNvSpPr>
+            <a:spLocks noGrp="1"/>
+          </p:cNvSpPr>
+          <p:nvPr>
+            <p:ph type="body" idx="1"/>
+          </p:nvPr>
+        </p:nvSpPr>
+        <p:spPr/>
+        <p:txBody>
+          <a:bodyPr/>
+          <a:lstStyle/>
+          <a:p>
+            <a:r>
+              <a:rPr lang="zh-TW" altLang="en-US" dirty="0"/>
+              <a:t>日本動漫風格的高中生男學生，藍黑色</a:t>
+            </a:r>
+            <a:r>
+              <a:rPr lang="en-US" altLang="zh-TW" dirty="0"/>
+              <a:t>M</a:t>
+            </a:r>
+            <a:r>
+              <a:rPr lang="zh-TW" altLang="en-US" dirty="0"/>
+              <a:t>字瀏海，紅眼睛，穿著白色襯衫，給人狡猾的感覺，在籃球場上， 正臉，流汗，由於很累所以撐著膝蓋，失望的神情</a:t>
+            </a:r>
+            <a:endParaRPr lang="en-US" altLang="zh-TW" dirty="0"/>
+          </a:p>
+          <a:p>
+            <a:endParaRPr lang="zh-TW" altLang="en-US" dirty="0"/>
+          </a:p>
+        </p:txBody>
+      </p:sp>
+      <p:sp>
+        <p:nvSpPr>
+          <p:cNvPr id="4" name="投影片編號版面配置區 3"/>
+          <p:cNvSpPr>
+            <a:spLocks noGrp="1"/>
+          </p:cNvSpPr>
+          <p:nvPr>
+            <p:ph type="sldNum" sz="quarter" idx="5"/>
+          </p:nvPr>
+        </p:nvSpPr>
+        <p:spPr/>
+        <p:txBody>
+          <a:bodyPr/>
+          <a:lstStyle/>
+          <a:p>
+            <a:fld id="{0525B4B5-B3D8-4B39-9D20-3F5602C36636}" type="slidenum">
+              <a:rPr lang="zh-TW" altLang="en-US" smtClean="0"/>
+              <a:t>5</a:t>
+            </a:fld>
+            <a:endParaRPr lang="zh-TW" altLang="en-US"/>
+          </a:p>
+        </p:txBody>
+      </p:sp>
+    </p:spTree>
+    <p:extLst>
+      <p:ext uri="{BB962C8B-B14F-4D97-AF65-F5344CB8AC3E}">
+        <p14:creationId xmlns:p14="http://schemas.microsoft.com/office/powerpoint/2010/main" val="563581928"/>
+      </p:ext>
+    </p:extLst>
+  </p:cSld>
+  <p:clrMapOvr>
+    <a:masterClrMapping/>
+  </p:clrMapOvr>
+</p:notes>
+</file>
+
+<file path=ppt/notesSlides/notesSlide5.xml><?xml version="1.0" encoding="utf-8"?>
+<p:notes xmlns:a="http://schemas.openxmlformats.org/drawingml/2006/main" xmlns:r="http://schemas.openxmlformats.org/officeDocument/2006/relationships" xmlns:p="http://schemas.openxmlformats.org/presentationml/2006/main">
+  <p:cSld>
+    <p:spTree>
+      <p:nvGrpSpPr>
+        <p:cNvPr id="1" name=""/>
+        <p:cNvGrpSpPr/>
+        <p:nvPr/>
+      </p:nvGrpSpPr>
+      <p:grpSpPr>
+        <a:xfrm>
+          <a:off x="0" y="0"/>
+          <a:ext cx="0" cy="0"/>
+          <a:chOff x="0" y="0"/>
+          <a:chExt cx="0" cy="0"/>
+        </a:xfrm>
+      </p:grpSpPr>
+      <p:sp>
+        <p:nvSpPr>
+          <p:cNvPr id="2" name="投影片影像版面配置區 1"/>
+          <p:cNvSpPr>
+            <a:spLocks noGrp="1" noRot="1" noChangeAspect="1"/>
+          </p:cNvSpPr>
+          <p:nvPr>
+            <p:ph type="sldImg"/>
+          </p:nvPr>
+        </p:nvSpPr>
+        <p:spPr/>
+      </p:sp>
+      <p:sp>
+        <p:nvSpPr>
+          <p:cNvPr id="3" name="備忘稿版面配置區 2"/>
+          <p:cNvSpPr>
+            <a:spLocks noGrp="1"/>
+          </p:cNvSpPr>
+          <p:nvPr>
+            <p:ph type="body" idx="1"/>
+          </p:nvPr>
+        </p:nvSpPr>
+        <p:spPr/>
+        <p:txBody>
+          <a:bodyPr/>
+          <a:lstStyle/>
+          <a:p>
+            <a:r>
+              <a:rPr lang="zh-TW" altLang="en-US" dirty="0"/>
+              <a:t>日本動漫風格的高中生男學生，藍黑色</a:t>
+            </a:r>
+            <a:r>
+              <a:rPr lang="en-US" altLang="zh-TW" dirty="0"/>
+              <a:t>M</a:t>
+            </a:r>
+            <a:r>
+              <a:rPr lang="zh-TW" altLang="en-US" dirty="0"/>
+              <a:t>字瀏海，紅眼睛，穿著白色襯衫，給人狡猾的感覺，在籃球場上， 正臉，流汗，由於很累所以撐著膝蓋，身旁的隊友都是一臉滿足，主角看到很錯愕</a:t>
+            </a:r>
+            <a:endParaRPr lang="en-US" altLang="zh-TW" dirty="0"/>
+          </a:p>
+          <a:p>
+            <a:endParaRPr lang="zh-TW" altLang="en-US" dirty="0"/>
+          </a:p>
+        </p:txBody>
+      </p:sp>
+      <p:sp>
+        <p:nvSpPr>
+          <p:cNvPr id="4" name="投影片編號版面配置區 3"/>
+          <p:cNvSpPr>
+            <a:spLocks noGrp="1"/>
+          </p:cNvSpPr>
+          <p:nvPr>
+            <p:ph type="sldNum" sz="quarter" idx="5"/>
+          </p:nvPr>
+        </p:nvSpPr>
+        <p:spPr/>
+        <p:txBody>
+          <a:bodyPr/>
+          <a:lstStyle/>
+          <a:p>
+            <a:fld id="{0525B4B5-B3D8-4B39-9D20-3F5602C36636}" type="slidenum">
+              <a:rPr lang="zh-TW" altLang="en-US" smtClean="0"/>
+              <a:t>6</a:t>
+            </a:fld>
+            <a:endParaRPr lang="zh-TW" altLang="en-US"/>
+          </a:p>
+        </p:txBody>
+      </p:sp>
+    </p:spTree>
+    <p:extLst>
+      <p:ext uri="{BB962C8B-B14F-4D97-AF65-F5344CB8AC3E}">
+        <p14:creationId xmlns:p14="http://schemas.microsoft.com/office/powerpoint/2010/main" val="889778051"/>
+      </p:ext>
+    </p:extLst>
+  </p:cSld>
+  <p:clrMapOvr>
+    <a:masterClrMapping/>
+  </p:clrMapOvr>
+</p:notes>
+</file>
+
+<file path=ppt/notesSlides/notesSlide6.xml><?xml version="1.0" encoding="utf-8"?>
+<p:notes xmlns:a="http://schemas.openxmlformats.org/drawingml/2006/main" xmlns:r="http://schemas.openxmlformats.org/officeDocument/2006/relationships" xmlns:p="http://schemas.openxmlformats.org/presentationml/2006/main">
+  <p:cSld>
+    <p:spTree>
+      <p:nvGrpSpPr>
+        <p:cNvPr id="1" name=""/>
+        <p:cNvGrpSpPr/>
+        <p:nvPr/>
+      </p:nvGrpSpPr>
+      <p:grpSpPr>
+        <a:xfrm>
+          <a:off x="0" y="0"/>
+          <a:ext cx="0" cy="0"/>
+          <a:chOff x="0" y="0"/>
+          <a:chExt cx="0" cy="0"/>
+        </a:xfrm>
+      </p:grpSpPr>
+      <p:sp>
+        <p:nvSpPr>
+          <p:cNvPr id="2" name="投影片影像版面配置區 1"/>
+          <p:cNvSpPr>
+            <a:spLocks noGrp="1" noRot="1" noChangeAspect="1"/>
+          </p:cNvSpPr>
+          <p:nvPr>
+            <p:ph type="sldImg"/>
+          </p:nvPr>
+        </p:nvSpPr>
+        <p:spPr/>
+      </p:sp>
+      <p:sp>
+        <p:nvSpPr>
+          <p:cNvPr id="3" name="備忘稿版面配置區 2"/>
+          <p:cNvSpPr>
+            <a:spLocks noGrp="1"/>
+          </p:cNvSpPr>
+          <p:nvPr>
+            <p:ph type="body" idx="1"/>
+          </p:nvPr>
+        </p:nvSpPr>
+        <p:spPr/>
+        <p:txBody>
+          <a:bodyPr/>
+          <a:lstStyle/>
+          <a:p>
+            <a:r>
+              <a:rPr lang="zh-TW" altLang="en-US" dirty="0"/>
+              <a:t>日本動漫風格的高中生男學生，藍黑色</a:t>
+            </a:r>
+            <a:r>
+              <a:rPr lang="en-US" altLang="zh-TW" dirty="0"/>
+              <a:t>M</a:t>
+            </a:r>
+            <a:r>
+              <a:rPr lang="zh-TW" altLang="en-US" dirty="0"/>
+              <a:t>字瀏海，紅眼睛，穿著白色襯衫，給人狡猾的感覺，在籃球場上， 正臉，流汗，微笑，跟隊友說話，畫到隊友</a:t>
+            </a:r>
+            <a:endParaRPr lang="en-US" altLang="zh-TW" dirty="0"/>
+          </a:p>
+          <a:p>
+            <a:endParaRPr lang="zh-TW" altLang="en-US" dirty="0"/>
+          </a:p>
+        </p:txBody>
+      </p:sp>
+      <p:sp>
+        <p:nvSpPr>
+          <p:cNvPr id="4" name="投影片編號版面配置區 3"/>
+          <p:cNvSpPr>
+            <a:spLocks noGrp="1"/>
+          </p:cNvSpPr>
+          <p:nvPr>
+            <p:ph type="sldNum" sz="quarter" idx="5"/>
+          </p:nvPr>
+        </p:nvSpPr>
+        <p:spPr/>
+        <p:txBody>
+          <a:bodyPr/>
+          <a:lstStyle/>
+          <a:p>
+            <a:fld id="{0525B4B5-B3D8-4B39-9D20-3F5602C36636}" type="slidenum">
+              <a:rPr lang="zh-TW" altLang="en-US" smtClean="0"/>
+              <a:t>7</a:t>
+            </a:fld>
+            <a:endParaRPr lang="zh-TW" altLang="en-US"/>
+          </a:p>
+        </p:txBody>
+      </p:sp>
+    </p:spTree>
+    <p:extLst>
+      <p:ext uri="{BB962C8B-B14F-4D97-AF65-F5344CB8AC3E}">
+        <p14:creationId xmlns:p14="http://schemas.microsoft.com/office/powerpoint/2010/main" val="598744434"/>
+      </p:ext>
+    </p:extLst>
+  </p:cSld>
+  <p:clrMapOvr>
+    <a:masterClrMapping/>
+  </p:clrMapOvr>
+</p:notes>
+</file>
+
+<file path=ppt/notesSlides/notesSlide7.xml><?xml version="1.0" encoding="utf-8"?>
+<p:notes xmlns:a="http://schemas.openxmlformats.org/drawingml/2006/main" xmlns:r="http://schemas.openxmlformats.org/officeDocument/2006/relationships" xmlns:p="http://schemas.openxmlformats.org/presentationml/2006/main">
+  <p:cSld>
+    <p:spTree>
+      <p:nvGrpSpPr>
+        <p:cNvPr id="1" name=""/>
+        <p:cNvGrpSpPr/>
+        <p:nvPr/>
+      </p:nvGrpSpPr>
+      <p:grpSpPr>
+        <a:xfrm>
+          <a:off x="0" y="0"/>
+          <a:ext cx="0" cy="0"/>
+          <a:chOff x="0" y="0"/>
+          <a:chExt cx="0" cy="0"/>
+        </a:xfrm>
+      </p:grpSpPr>
+      <p:sp>
+        <p:nvSpPr>
+          <p:cNvPr id="2" name="投影片影像版面配置區 1"/>
+          <p:cNvSpPr>
+            <a:spLocks noGrp="1" noRot="1" noChangeAspect="1"/>
+          </p:cNvSpPr>
+          <p:nvPr>
+            <p:ph type="sldImg"/>
+          </p:nvPr>
+        </p:nvSpPr>
+        <p:spPr/>
+      </p:sp>
+      <p:sp>
+        <p:nvSpPr>
+          <p:cNvPr id="3" name="備忘稿版面配置區 2"/>
+          <p:cNvSpPr>
+            <a:spLocks noGrp="1"/>
+          </p:cNvSpPr>
+          <p:nvPr>
+            <p:ph type="body" idx="1"/>
+          </p:nvPr>
+        </p:nvSpPr>
+        <p:spPr/>
+        <p:txBody>
+          <a:bodyPr/>
+          <a:lstStyle/>
+          <a:p>
+            <a:r>
+              <a:rPr lang="zh-TW" altLang="en-US" dirty="0"/>
+              <a:t>日本動漫風格的高中生男學生，藍黑色</a:t>
+            </a:r>
+            <a:r>
+              <a:rPr lang="en-US" altLang="zh-TW" dirty="0"/>
+              <a:t>M</a:t>
+            </a:r>
+            <a:r>
+              <a:rPr lang="zh-TW" altLang="en-US" dirty="0"/>
+              <a:t>字瀏海，紅眼睛，穿著白色襯衫，給人狡猾的感覺，在籃球場上， 正臉，流汗，拿著獎盃，拿到冠軍後欣慰的大笑，被隊友圍起來</a:t>
+            </a:r>
+            <a:endParaRPr lang="en-US" altLang="zh-TW" dirty="0"/>
+          </a:p>
+          <a:p>
+            <a:endParaRPr lang="zh-TW" altLang="en-US" dirty="0"/>
+          </a:p>
+        </p:txBody>
+      </p:sp>
+      <p:sp>
+        <p:nvSpPr>
+          <p:cNvPr id="4" name="投影片編號版面配置區 3"/>
+          <p:cNvSpPr>
+            <a:spLocks noGrp="1"/>
+          </p:cNvSpPr>
+          <p:nvPr>
+            <p:ph type="sldNum" sz="quarter" idx="5"/>
+          </p:nvPr>
+        </p:nvSpPr>
+        <p:spPr/>
+        <p:txBody>
+          <a:bodyPr/>
+          <a:lstStyle/>
+          <a:p>
+            <a:fld id="{0525B4B5-B3D8-4B39-9D20-3F5602C36636}" type="slidenum">
+              <a:rPr lang="zh-TW" altLang="en-US" smtClean="0"/>
+              <a:t>8</a:t>
+            </a:fld>
+            <a:endParaRPr lang="zh-TW" altLang="en-US"/>
+          </a:p>
+        </p:txBody>
+      </p:sp>
+    </p:spTree>
+    <p:extLst>
+      <p:ext uri="{BB962C8B-B14F-4D97-AF65-F5344CB8AC3E}">
+        <p14:creationId xmlns:p14="http://schemas.microsoft.com/office/powerpoint/2010/main" val="660359588"/>
+      </p:ext>
+    </p:extLst>
+  </p:cSld>
+  <p:clrMapOvr>
+    <a:masterClrMapping/>
+  </p:clrMapOvr>
+</p:notes>
+</file>
+
 <file path=ppt/slideLayouts/slideLayout1.xml><?xml version="1.0" encoding="utf-8"?>
 <p:sldLayout xmlns:a="http://schemas.openxmlformats.org/drawingml/2006/main" xmlns:r="http://schemas.openxmlformats.org/officeDocument/2006/relationships" xmlns:p="http://schemas.openxmlformats.org/presentationml/2006/main" type="title" preserve="1">
   <p:cSld name="標題投影片">
@@ -376,7 +1421,7 @@
           <a:p>
             <a:fld id="{8EF85ABB-B617-4026-94BF-061E35AE0718}" type="datetimeFigureOut">
               <a:rPr lang="zh-TW" altLang="en-US" smtClean="0"/>
-              <a:t>2024/10/22</a:t>
+              <a:t>2024/10/23</a:t>
             </a:fld>
             <a:endParaRPr lang="zh-TW" altLang="en-US"/>
           </a:p>
@@ -574,7 +1619,7 @@
           <a:p>
             <a:fld id="{8EF85ABB-B617-4026-94BF-061E35AE0718}" type="datetimeFigureOut">
               <a:rPr lang="zh-TW" altLang="en-US" smtClean="0"/>
-              <a:t>2024/10/22</a:t>
+              <a:t>2024/10/23</a:t>
             </a:fld>
             <a:endParaRPr lang="zh-TW" altLang="en-US"/>
           </a:p>
@@ -782,7 +1827,7 @@
           <a:p>
             <a:fld id="{8EF85ABB-B617-4026-94BF-061E35AE0718}" type="datetimeFigureOut">
               <a:rPr lang="zh-TW" altLang="en-US" smtClean="0"/>
-              <a:t>2024/10/22</a:t>
+              <a:t>2024/10/23</a:t>
             </a:fld>
             <a:endParaRPr lang="zh-TW" altLang="en-US"/>
           </a:p>
@@ -980,7 +2025,7 @@
           <a:p>
             <a:fld id="{8EF85ABB-B617-4026-94BF-061E35AE0718}" type="datetimeFigureOut">
               <a:rPr lang="zh-TW" altLang="en-US" smtClean="0"/>
-              <a:t>2024/10/22</a:t>
+              <a:t>2024/10/23</a:t>
             </a:fld>
             <a:endParaRPr lang="zh-TW" altLang="en-US"/>
           </a:p>
@@ -1255,7 +2300,7 @@
           <a:p>
             <a:fld id="{8EF85ABB-B617-4026-94BF-061E35AE0718}" type="datetimeFigureOut">
               <a:rPr lang="zh-TW" altLang="en-US" smtClean="0"/>
-              <a:t>2024/10/22</a:t>
+              <a:t>2024/10/23</a:t>
             </a:fld>
             <a:endParaRPr lang="zh-TW" altLang="en-US"/>
           </a:p>
@@ -1520,7 +2565,7 @@
           <a:p>
             <a:fld id="{8EF85ABB-B617-4026-94BF-061E35AE0718}" type="datetimeFigureOut">
               <a:rPr lang="zh-TW" altLang="en-US" smtClean="0"/>
-              <a:t>2024/10/22</a:t>
+              <a:t>2024/10/23</a:t>
             </a:fld>
             <a:endParaRPr lang="zh-TW" altLang="en-US"/>
           </a:p>
@@ -1932,7 +2977,7 @@
           <a:p>
             <a:fld id="{8EF85ABB-B617-4026-94BF-061E35AE0718}" type="datetimeFigureOut">
               <a:rPr lang="zh-TW" altLang="en-US" smtClean="0"/>
-              <a:t>2024/10/22</a:t>
+              <a:t>2024/10/23</a:t>
             </a:fld>
             <a:endParaRPr lang="zh-TW" altLang="en-US"/>
           </a:p>
@@ -2073,7 +3118,7 @@
           <a:p>
             <a:fld id="{8EF85ABB-B617-4026-94BF-061E35AE0718}" type="datetimeFigureOut">
               <a:rPr lang="zh-TW" altLang="en-US" smtClean="0"/>
-              <a:t>2024/10/22</a:t>
+              <a:t>2024/10/23</a:t>
             </a:fld>
             <a:endParaRPr lang="zh-TW" altLang="en-US"/>
           </a:p>
@@ -2186,7 +3231,7 @@
           <a:p>
             <a:fld id="{8EF85ABB-B617-4026-94BF-061E35AE0718}" type="datetimeFigureOut">
               <a:rPr lang="zh-TW" altLang="en-US" smtClean="0"/>
-              <a:t>2024/10/22</a:t>
+              <a:t>2024/10/23</a:t>
             </a:fld>
             <a:endParaRPr lang="zh-TW" altLang="en-US"/>
           </a:p>
@@ -2497,7 +3542,7 @@
           <a:p>
             <a:fld id="{8EF85ABB-B617-4026-94BF-061E35AE0718}" type="datetimeFigureOut">
               <a:rPr lang="zh-TW" altLang="en-US" smtClean="0"/>
-              <a:t>2024/10/22</a:t>
+              <a:t>2024/10/23</a:t>
             </a:fld>
             <a:endParaRPr lang="zh-TW" altLang="en-US"/>
           </a:p>
@@ -2785,7 +3830,7 @@
           <a:p>
             <a:fld id="{8EF85ABB-B617-4026-94BF-061E35AE0718}" type="datetimeFigureOut">
               <a:rPr lang="zh-TW" altLang="en-US" smtClean="0"/>
-              <a:t>2024/10/22</a:t>
+              <a:t>2024/10/23</a:t>
             </a:fld>
             <a:endParaRPr lang="zh-TW" altLang="en-US"/>
           </a:p>
@@ -3026,7 +4071,7 @@
           <a:p>
             <a:fld id="{8EF85ABB-B617-4026-94BF-061E35AE0718}" type="datetimeFigureOut">
               <a:rPr lang="zh-TW" altLang="en-US" smtClean="0"/>
-              <a:t>2024/10/22</a:t>
+              <a:t>2024/10/23</a:t>
             </a:fld>
             <a:endParaRPr lang="zh-TW" altLang="en-US"/>
           </a:p>
@@ -3535,13 +4580,13 @@
   <p:clrMapOvr>
     <a:masterClrMapping/>
   </p:clrMapOvr>
-  <mc:AlternateContent xmlns:mc="http://schemas.openxmlformats.org/markup-compatibility/2006">
-    <mc:Choice xmlns:p159="http://schemas.microsoft.com/office/powerpoint/2015/09/main" Requires="p159">
+  <mc:AlternateContent xmlns:mc="http://schemas.openxmlformats.org/markup-compatibility/2006" xmlns:p159="http://schemas.microsoft.com/office/powerpoint/2015/09/main">
+    <mc:Choice Requires="p159">
       <p:transition xmlns:p14="http://schemas.microsoft.com/office/powerpoint/2010/main" spd="slow" p14:dur="2000">
         <p159:morph option="byObject"/>
       </p:transition>
     </mc:Choice>
-    <mc:Fallback>
+    <mc:Fallback xmlns="">
       <p:transition spd="slow">
         <p:fade/>
       </p:transition>
@@ -3647,7 +4692,7 @@
           </p:nvPr>
         </p:nvPicPr>
         <p:blipFill>
-          <a:blip r:embed="rId2">
+          <a:blip r:embed="rId3">
             <a:extLst>
               <a:ext uri="{28A0092B-C50C-407E-A947-70E740481C1C}">
                 <a14:useLocalDpi xmlns:a14="http://schemas.microsoft.com/office/drawing/2010/main" val="0"/>
@@ -3675,13 +4720,13 @@
   <p:clrMapOvr>
     <a:masterClrMapping/>
   </p:clrMapOvr>
-  <mc:AlternateContent xmlns:mc="http://schemas.openxmlformats.org/markup-compatibility/2006">
-    <mc:Choice xmlns:p159="http://schemas.microsoft.com/office/powerpoint/2015/09/main" Requires="p159">
+  <mc:AlternateContent xmlns:mc="http://schemas.openxmlformats.org/markup-compatibility/2006" xmlns:p159="http://schemas.microsoft.com/office/powerpoint/2015/09/main">
+    <mc:Choice Requires="p159">
       <p:transition xmlns:p14="http://schemas.microsoft.com/office/powerpoint/2010/main" spd="slow" p14:dur="2000">
         <p159:morph option="byObject"/>
       </p:transition>
     </mc:Choice>
-    <mc:Fallback>
+    <mc:Fallback xmlns="">
       <p:transition spd="slow">
         <p:fade/>
       </p:transition>
@@ -3787,7 +4832,7 @@
           </p:nvPr>
         </p:nvPicPr>
         <p:blipFill>
-          <a:blip r:embed="rId2">
+          <a:blip r:embed="rId3">
             <a:extLst>
               <a:ext uri="{28A0092B-C50C-407E-A947-70E740481C1C}">
                 <a14:useLocalDpi xmlns:a14="http://schemas.microsoft.com/office/drawing/2010/main" val="0"/>
@@ -3815,13 +4860,13 @@
   <p:clrMapOvr>
     <a:masterClrMapping/>
   </p:clrMapOvr>
-  <mc:AlternateContent xmlns:mc="http://schemas.openxmlformats.org/markup-compatibility/2006">
-    <mc:Choice xmlns:p159="http://schemas.microsoft.com/office/powerpoint/2015/09/main" Requires="p159">
+  <mc:AlternateContent xmlns:mc="http://schemas.openxmlformats.org/markup-compatibility/2006" xmlns:p159="http://schemas.microsoft.com/office/powerpoint/2015/09/main">
+    <mc:Choice Requires="p159">
       <p:transition xmlns:p14="http://schemas.microsoft.com/office/powerpoint/2010/main" spd="slow" p14:dur="2000">
         <p159:morph option="byObject"/>
       </p:transition>
     </mc:Choice>
-    <mc:Fallback>
+    <mc:Fallback xmlns="">
       <p:transition spd="slow">
         <p:fade/>
       </p:transition>
@@ -3927,7 +4972,7 @@
           </p:nvPr>
         </p:nvPicPr>
         <p:blipFill>
-          <a:blip r:embed="rId2">
+          <a:blip r:embed="rId3">
             <a:extLst>
               <a:ext uri="{28A0092B-C50C-407E-A947-70E740481C1C}">
                 <a14:useLocalDpi xmlns:a14="http://schemas.microsoft.com/office/drawing/2010/main" val="0"/>
@@ -3955,13 +5000,13 @@
   <p:clrMapOvr>
     <a:masterClrMapping/>
   </p:clrMapOvr>
-  <mc:AlternateContent xmlns:mc="http://schemas.openxmlformats.org/markup-compatibility/2006">
-    <mc:Choice xmlns:p159="http://schemas.microsoft.com/office/powerpoint/2015/09/main" Requires="p159">
+  <mc:AlternateContent xmlns:mc="http://schemas.openxmlformats.org/markup-compatibility/2006" xmlns:p159="http://schemas.microsoft.com/office/powerpoint/2015/09/main">
+    <mc:Choice Requires="p159">
       <p:transition xmlns:p14="http://schemas.microsoft.com/office/powerpoint/2010/main" spd="slow" p14:dur="2000">
         <p159:morph option="byObject"/>
       </p:transition>
     </mc:Choice>
-    <mc:Fallback>
+    <mc:Fallback xmlns="">
       <p:transition spd="slow">
         <p:fade/>
       </p:transition>
@@ -4067,7 +5112,7 @@
           </p:nvPr>
         </p:nvPicPr>
         <p:blipFill>
-          <a:blip r:embed="rId2">
+          <a:blip r:embed="rId3">
             <a:extLst>
               <a:ext uri="{28A0092B-C50C-407E-A947-70E740481C1C}">
                 <a14:useLocalDpi xmlns:a14="http://schemas.microsoft.com/office/drawing/2010/main" val="0"/>
@@ -4095,13 +5140,13 @@
   <p:clrMapOvr>
     <a:masterClrMapping/>
   </p:clrMapOvr>
-  <mc:AlternateContent xmlns:mc="http://schemas.openxmlformats.org/markup-compatibility/2006">
-    <mc:Choice xmlns:p159="http://schemas.microsoft.com/office/powerpoint/2015/09/main" Requires="p159">
+  <mc:AlternateContent xmlns:mc="http://schemas.openxmlformats.org/markup-compatibility/2006" xmlns:p159="http://schemas.microsoft.com/office/powerpoint/2015/09/main">
+    <mc:Choice Requires="p159">
       <p:transition xmlns:p14="http://schemas.microsoft.com/office/powerpoint/2010/main" spd="slow" p14:dur="2000">
         <p159:morph option="byObject"/>
       </p:transition>
     </mc:Choice>
-    <mc:Fallback>
+    <mc:Fallback xmlns="">
       <p:transition spd="slow">
         <p:fade/>
       </p:transition>
@@ -4207,7 +5252,7 @@
           </p:nvPr>
         </p:nvPicPr>
         <p:blipFill>
-          <a:blip r:embed="rId2">
+          <a:blip r:embed="rId3">
             <a:extLst>
               <a:ext uri="{28A0092B-C50C-407E-A947-70E740481C1C}">
                 <a14:useLocalDpi xmlns:a14="http://schemas.microsoft.com/office/drawing/2010/main" val="0"/>
@@ -4235,13 +5280,13 @@
   <p:clrMapOvr>
     <a:masterClrMapping/>
   </p:clrMapOvr>
-  <mc:AlternateContent xmlns:mc="http://schemas.openxmlformats.org/markup-compatibility/2006">
-    <mc:Choice xmlns:p159="http://schemas.microsoft.com/office/powerpoint/2015/09/main" Requires="p159">
+  <mc:AlternateContent xmlns:mc="http://schemas.openxmlformats.org/markup-compatibility/2006" xmlns:p159="http://schemas.microsoft.com/office/powerpoint/2015/09/main">
+    <mc:Choice Requires="p159">
       <p:transition xmlns:p14="http://schemas.microsoft.com/office/powerpoint/2010/main" spd="slow" p14:dur="2000">
         <p159:morph option="byObject"/>
       </p:transition>
     </mc:Choice>
-    <mc:Fallback>
+    <mc:Fallback xmlns="">
       <p:transition spd="slow">
         <p:fade/>
       </p:transition>
@@ -4347,7 +5392,7 @@
           </p:nvPr>
         </p:nvPicPr>
         <p:blipFill>
-          <a:blip r:embed="rId2">
+          <a:blip r:embed="rId3">
             <a:extLst>
               <a:ext uri="{28A0092B-C50C-407E-A947-70E740481C1C}">
                 <a14:useLocalDpi xmlns:a14="http://schemas.microsoft.com/office/drawing/2010/main" val="0"/>
@@ -4375,13 +5420,13 @@
   <p:clrMapOvr>
     <a:masterClrMapping/>
   </p:clrMapOvr>
-  <mc:AlternateContent xmlns:mc="http://schemas.openxmlformats.org/markup-compatibility/2006">
-    <mc:Choice xmlns:p159="http://schemas.microsoft.com/office/powerpoint/2015/09/main" Requires="p159">
+  <mc:AlternateContent xmlns:mc="http://schemas.openxmlformats.org/markup-compatibility/2006" xmlns:p159="http://schemas.microsoft.com/office/powerpoint/2015/09/main">
+    <mc:Choice Requires="p159">
       <p:transition xmlns:p14="http://schemas.microsoft.com/office/powerpoint/2010/main" spd="slow" p14:dur="2000">
         <p159:morph option="byObject"/>
       </p:transition>
     </mc:Choice>
-    <mc:Fallback>
+    <mc:Fallback xmlns="">
       <p:transition spd="slow">
         <p:fade/>
       </p:transition>
@@ -4487,7 +5532,7 @@
           </p:nvPr>
         </p:nvPicPr>
         <p:blipFill>
-          <a:blip r:embed="rId2">
+          <a:blip r:embed="rId3">
             <a:extLst>
               <a:ext uri="{28A0092B-C50C-407E-A947-70E740481C1C}">
                 <a14:useLocalDpi xmlns:a14="http://schemas.microsoft.com/office/drawing/2010/main" val="0"/>
@@ -4515,13 +5560,13 @@
   <p:clrMapOvr>
     <a:masterClrMapping/>
   </p:clrMapOvr>
-  <mc:AlternateContent xmlns:mc="http://schemas.openxmlformats.org/markup-compatibility/2006">
-    <mc:Choice xmlns:p159="http://schemas.microsoft.com/office/powerpoint/2015/09/main" Requires="p159">
+  <mc:AlternateContent xmlns:mc="http://schemas.openxmlformats.org/markup-compatibility/2006" xmlns:p159="http://schemas.microsoft.com/office/powerpoint/2015/09/main">
+    <mc:Choice Requires="p159">
       <p:transition xmlns:p14="http://schemas.microsoft.com/office/powerpoint/2010/main" spd="slow" p14:dur="2000">
         <p159:morph option="byObject"/>
       </p:transition>
     </mc:Choice>
-    <mc:Fallback>
+    <mc:Fallback xmlns="">
       <p:transition spd="slow">
         <p:fade/>
       </p:transition>
@@ -4823,4 +5868,299 @@
     </a:ext>
   </a:extLst>
 </a:theme>
+</file>
+
+<file path=ppt/theme/theme2.xml><?xml version="1.0" encoding="utf-8"?>
+<a:theme xmlns:a="http://schemas.openxmlformats.org/drawingml/2006/main" name="Office 佈景主題">
+  <a:themeElements>
+    <a:clrScheme name="Office">
+      <a:dk1>
+        <a:sysClr val="windowText" lastClr="000000"/>
+      </a:dk1>
+      <a:lt1>
+        <a:sysClr val="window" lastClr="FFFFFF"/>
+      </a:lt1>
+      <a:dk2>
+        <a:srgbClr val="44546A"/>
+      </a:dk2>
+      <a:lt2>
+        <a:srgbClr val="E7E6E6"/>
+      </a:lt2>
+      <a:accent1>
+        <a:srgbClr val="4472C4"/>
+      </a:accent1>
+      <a:accent2>
+        <a:srgbClr val="ED7D31"/>
+      </a:accent2>
+      <a:accent3>
+        <a:srgbClr val="A5A5A5"/>
+      </a:accent3>
+      <a:accent4>
+        <a:srgbClr val="FFC000"/>
+      </a:accent4>
+      <a:accent5>
+        <a:srgbClr val="5B9BD5"/>
+      </a:accent5>
+      <a:accent6>
+        <a:srgbClr val="70AD47"/>
+      </a:accent6>
+      <a:hlink>
+        <a:srgbClr val="0563C1"/>
+      </a:hlink>
+      <a:folHlink>
+        <a:srgbClr val="954F72"/>
+      </a:folHlink>
+    </a:clrScheme>
+    <a:fontScheme name="Office">
+      <a:majorFont>
+        <a:latin typeface="Calibri Light" panose="020F0302020204030204"/>
+        <a:ea typeface=""/>
+        <a:cs typeface=""/>
+        <a:font script="Jpan" typeface="游ゴシック Light"/>
+        <a:font script="Hang" typeface="맑은 고딕"/>
+        <a:font script="Hans" typeface="等线 Light"/>
+        <a:font script="Hant" typeface="新細明體"/>
+        <a:font script="Arab" typeface="Times New Roman"/>
+        <a:font script="Hebr" typeface="Times New Roman"/>
+        <a:font script="Thai" typeface="Angsana New"/>
+        <a:font script="Ethi" typeface="Nyala"/>
+        <a:font script="Beng" typeface="Vrinda"/>
+        <a:font script="Gujr" typeface="Shruti"/>
+        <a:font script="Khmr" typeface="MoolBoran"/>
+        <a:font script="Knda" typeface="Tunga"/>
+        <a:font script="Guru" typeface="Raavi"/>
+        <a:font script="Cans" typeface="Euphemia"/>
+        <a:font script="Cher" typeface="Plantagenet Cherokee"/>
+        <a:font script="Yiii" typeface="Microsoft Yi Baiti"/>
+        <a:font script="Tibt" typeface="Microsoft Himalaya"/>
+        <a:font script="Thaa" typeface="MV Boli"/>
+        <a:font script="Deva" typeface="Mangal"/>
+        <a:font script="Telu" typeface="Gautami"/>
+        <a:font script="Taml" typeface="Latha"/>
+        <a:font script="Syrc" typeface="Estrangelo Edessa"/>
+        <a:font script="Orya" typeface="Kalinga"/>
+        <a:font script="Mlym" typeface="Kartika"/>
+        <a:font script="Laoo" typeface="DokChampa"/>
+        <a:font script="Sinh" typeface="Iskoola Pota"/>
+        <a:font script="Mong" typeface="Mongolian Baiti"/>
+        <a:font script="Viet" typeface="Times New Roman"/>
+        <a:font script="Uigh" typeface="Microsoft Uighur"/>
+        <a:font script="Geor" typeface="Sylfaen"/>
+        <a:font script="Armn" typeface="Arial"/>
+        <a:font script="Bugi" typeface="Leelawadee UI"/>
+        <a:font script="Bopo" typeface="Microsoft JhengHei"/>
+        <a:font script="Java" typeface="Javanese Text"/>
+        <a:font script="Lisu" typeface="Segoe UI"/>
+        <a:font script="Mymr" typeface="Myanmar Text"/>
+        <a:font script="Nkoo" typeface="Ebrima"/>
+        <a:font script="Olck" typeface="Nirmala UI"/>
+        <a:font script="Osma" typeface="Ebrima"/>
+        <a:font script="Phag" typeface="Phagspa"/>
+        <a:font script="Syrn" typeface="Estrangelo Edessa"/>
+        <a:font script="Syrj" typeface="Estrangelo Edessa"/>
+        <a:font script="Syre" typeface="Estrangelo Edessa"/>
+        <a:font script="Sora" typeface="Nirmala UI"/>
+        <a:font script="Tale" typeface="Microsoft Tai Le"/>
+        <a:font script="Talu" typeface="Microsoft New Tai Lue"/>
+        <a:font script="Tfng" typeface="Ebrima"/>
+      </a:majorFont>
+      <a:minorFont>
+        <a:latin typeface="Calibri" panose="020F0502020204030204"/>
+        <a:ea typeface=""/>
+        <a:cs typeface=""/>
+        <a:font script="Jpan" typeface="游ゴシック"/>
+        <a:font script="Hang" typeface="맑은 고딕"/>
+        <a:font script="Hans" typeface="等线"/>
+        <a:font script="Hant" typeface="新細明體"/>
+        <a:font script="Arab" typeface="Arial"/>
+        <a:font script="Hebr" typeface="Arial"/>
+        <a:font script="Thai" typeface="Cordia New"/>
+        <a:font script="Ethi" typeface="Nyala"/>
+        <a:font script="Beng" typeface="Vrinda"/>
+        <a:font script="Gujr" typeface="Shruti"/>
+        <a:font script="Khmr" typeface="DaunPenh"/>
+        <a:font script="Knda" typeface="Tunga"/>
+        <a:font script="Guru" typeface="Raavi"/>
+        <a:font script="Cans" typeface="Euphemia"/>
+        <a:font script="Cher" typeface="Plantagenet Cherokee"/>
+        <a:font script="Yiii" typeface="Microsoft Yi Baiti"/>
+        <a:font script="Tibt" typeface="Microsoft Himalaya"/>
+        <a:font script="Thaa" typeface="MV Boli"/>
+        <a:font script="Deva" typeface="Mangal"/>
+        <a:font script="Telu" typeface="Gautami"/>
+        <a:font script="Taml" typeface="Latha"/>
+        <a:font script="Syrc" typeface="Estrangelo Edessa"/>
+        <a:font script="Orya" typeface="Kalinga"/>
+        <a:font script="Mlym" typeface="Kartika"/>
+        <a:font script="Laoo" typeface="DokChampa"/>
+        <a:font script="Sinh" typeface="Iskoola Pota"/>
+        <a:font script="Mong" typeface="Mongolian Baiti"/>
+        <a:font script="Viet" typeface="Arial"/>
+        <a:font script="Uigh" typeface="Microsoft Uighur"/>
+        <a:font script="Geor" typeface="Sylfaen"/>
+        <a:font script="Armn" typeface="Arial"/>
+        <a:font script="Bugi" typeface="Leelawadee UI"/>
+        <a:font script="Bopo" typeface="Microsoft JhengHei"/>
+        <a:font script="Java" typeface="Javanese Text"/>
+        <a:font script="Lisu" typeface="Segoe UI"/>
+        <a:font script="Mymr" typeface="Myanmar Text"/>
+        <a:font script="Nkoo" typeface="Ebrima"/>
+        <a:font script="Olck" typeface="Nirmala UI"/>
+        <a:font script="Osma" typeface="Ebrima"/>
+        <a:font script="Phag" typeface="Phagspa"/>
+        <a:font script="Syrn" typeface="Estrangelo Edessa"/>
+        <a:font script="Syrj" typeface="Estrangelo Edessa"/>
+        <a:font script="Syre" typeface="Estrangelo Edessa"/>
+        <a:font script="Sora" typeface="Nirmala UI"/>
+        <a:font script="Tale" typeface="Microsoft Tai Le"/>
+        <a:font script="Talu" typeface="Microsoft New Tai Lue"/>
+        <a:font script="Tfng" typeface="Ebrima"/>
+      </a:minorFont>
+    </a:fontScheme>
+    <a:fmtScheme name="Office">
+      <a:fillStyleLst>
+        <a:solidFill>
+          <a:schemeClr val="phClr"/>
+        </a:solidFill>
+        <a:gradFill rotWithShape="1">
+          <a:gsLst>
+            <a:gs pos="0">
+              <a:schemeClr val="phClr">
+                <a:lumMod val="110000"/>
+                <a:satMod val="105000"/>
+                <a:tint val="67000"/>
+              </a:schemeClr>
+            </a:gs>
+            <a:gs pos="50000">
+              <a:schemeClr val="phClr">
+                <a:lumMod val="105000"/>
+                <a:satMod val="103000"/>
+                <a:tint val="73000"/>
+              </a:schemeClr>
+            </a:gs>
+            <a:gs pos="100000">
+              <a:schemeClr val="phClr">
+                <a:lumMod val="105000"/>
+                <a:satMod val="109000"/>
+                <a:tint val="81000"/>
+              </a:schemeClr>
+            </a:gs>
+          </a:gsLst>
+          <a:lin ang="5400000" scaled="0"/>
+        </a:gradFill>
+        <a:gradFill rotWithShape="1">
+          <a:gsLst>
+            <a:gs pos="0">
+              <a:schemeClr val="phClr">
+                <a:satMod val="103000"/>
+                <a:lumMod val="102000"/>
+                <a:tint val="94000"/>
+              </a:schemeClr>
+            </a:gs>
+            <a:gs pos="50000">
+              <a:schemeClr val="phClr">
+                <a:satMod val="110000"/>
+                <a:lumMod val="100000"/>
+                <a:shade val="100000"/>
+              </a:schemeClr>
+            </a:gs>
+            <a:gs pos="100000">
+              <a:schemeClr val="phClr">
+                <a:lumMod val="99000"/>
+                <a:satMod val="120000"/>
+                <a:shade val="78000"/>
+              </a:schemeClr>
+            </a:gs>
+          </a:gsLst>
+          <a:lin ang="5400000" scaled="0"/>
+        </a:gradFill>
+      </a:fillStyleLst>
+      <a:lnStyleLst>
+        <a:ln w="6350" cap="flat" cmpd="sng" algn="ctr">
+          <a:solidFill>
+            <a:schemeClr val="phClr"/>
+          </a:solidFill>
+          <a:prstDash val="solid"/>
+          <a:miter lim="800000"/>
+        </a:ln>
+        <a:ln w="12700" cap="flat" cmpd="sng" algn="ctr">
+          <a:solidFill>
+            <a:schemeClr val="phClr"/>
+          </a:solidFill>
+          <a:prstDash val="solid"/>
+          <a:miter lim="800000"/>
+        </a:ln>
+        <a:ln w="19050" cap="flat" cmpd="sng" algn="ctr">
+          <a:solidFill>
+            <a:schemeClr val="phClr"/>
+          </a:solidFill>
+          <a:prstDash val="solid"/>
+          <a:miter lim="800000"/>
+        </a:ln>
+      </a:lnStyleLst>
+      <a:effectStyleLst>
+        <a:effectStyle>
+          <a:effectLst/>
+        </a:effectStyle>
+        <a:effectStyle>
+          <a:effectLst/>
+        </a:effectStyle>
+        <a:effectStyle>
+          <a:effectLst>
+            <a:outerShdw blurRad="57150" dist="19050" dir="5400000" algn="ctr" rotWithShape="0">
+              <a:srgbClr val="000000">
+                <a:alpha val="63000"/>
+              </a:srgbClr>
+            </a:outerShdw>
+          </a:effectLst>
+        </a:effectStyle>
+      </a:effectStyleLst>
+      <a:bgFillStyleLst>
+        <a:solidFill>
+          <a:schemeClr val="phClr"/>
+        </a:solidFill>
+        <a:solidFill>
+          <a:schemeClr val="phClr">
+            <a:tint val="95000"/>
+            <a:satMod val="170000"/>
+          </a:schemeClr>
+        </a:solidFill>
+        <a:gradFill rotWithShape="1">
+          <a:gsLst>
+            <a:gs pos="0">
+              <a:schemeClr val="phClr">
+                <a:tint val="93000"/>
+                <a:satMod val="150000"/>
+                <a:shade val="98000"/>
+                <a:lumMod val="102000"/>
+              </a:schemeClr>
+            </a:gs>
+            <a:gs pos="50000">
+              <a:schemeClr val="phClr">
+                <a:tint val="98000"/>
+                <a:satMod val="130000"/>
+                <a:shade val="90000"/>
+                <a:lumMod val="103000"/>
+              </a:schemeClr>
+            </a:gs>
+            <a:gs pos="100000">
+              <a:schemeClr val="phClr">
+                <a:shade val="63000"/>
+                <a:satMod val="120000"/>
+              </a:schemeClr>
+            </a:gs>
+          </a:gsLst>
+          <a:lin ang="5400000" scaled="0"/>
+        </a:gradFill>
+      </a:bgFillStyleLst>
+    </a:fmtScheme>
+  </a:themeElements>
+  <a:objectDefaults/>
+  <a:extraClrSchemeLst/>
+  <a:extLst>
+    <a:ext uri="{05A4C25C-085E-4340-85A3-A5531E510DB2}">
+      <thm15:themeFamily xmlns:thm15="http://schemas.microsoft.com/office/thememl/2012/main" name="Office Theme" id="{62F939B6-93AF-4DB8-9C6B-D6C7DFDC589F}" vid="{4A3C46E8-61CC-4603-A589-7422A47A8E4A}"/>
+    </a:ext>
+  </a:extLst>
+</a:theme>
 </file>